--- a/red_oplæg17maj_VtDat2.pptx
+++ b/red_oplæg17maj_VtDat2.pptx
@@ -3012,8 +3012,8 @@
         </p:nvSpPr>
         <p:spPr>
           <a:xfrm>
-            <a:off x="457200" y="274680"/>
-            <a:ext cx="8228880" cy="1142280"/>
+            <a:off x="457200" y="273600"/>
+            <a:ext cx="8228880" cy="1144440"/>
           </a:xfrm>
           <a:prstGeom prst="rect">
             <a:avLst/>
@@ -3050,7 +3050,7 @@
         <p:spPr>
           <a:xfrm>
             <a:off x="457200" y="1604520"/>
-            <a:ext cx="8229240" cy="3977280"/>
+            <a:ext cx="8228880" cy="3976920"/>
           </a:xfrm>
           <a:prstGeom prst="rect">
             <a:avLst/>
@@ -3068,7 +3068,7 @@
               <a:buChar char=""/>
             </a:pPr>
             <a:r>
-              <a:rPr b="0" lang="en-US" sz="3200" spc="-1" strike="noStrike">
+              <a:rPr b="0" lang="en-US" sz="1800" spc="-1" strike="noStrike">
                 <a:solidFill>
                   <a:srgbClr val="000000"/>
                 </a:solidFill>
@@ -3081,7 +3081,7 @@
               </a:rPr>
               <a:t>Click to edit the outline text format</a:t>
             </a:r>
-            <a:endParaRPr b="0" lang="en-US" sz="3200" spc="-1" strike="noStrike">
+            <a:endParaRPr b="0" lang="en-US" sz="1800" spc="-1" strike="noStrike">
               <a:solidFill>
                 <a:srgbClr val="000000"/>
               </a:solidFill>
@@ -3103,7 +3103,7 @@
               <a:buChar char=""/>
             </a:pPr>
             <a:r>
-              <a:rPr b="0" lang="en-US" sz="2800" spc="-1" strike="noStrike">
+              <a:rPr b="0" lang="en-US" sz="1800" spc="-1" strike="noStrike">
                 <a:solidFill>
                   <a:srgbClr val="000000"/>
                 </a:solidFill>
@@ -3116,7 +3116,7 @@
               </a:rPr>
               <a:t>Second Outline Level</a:t>
             </a:r>
-            <a:endParaRPr b="0" lang="en-US" sz="2800" spc="-1" strike="noStrike">
+            <a:endParaRPr b="0" lang="en-US" sz="1800" spc="-1" strike="noStrike">
               <a:solidFill>
                 <a:srgbClr val="000000"/>
               </a:solidFill>
@@ -3138,7 +3138,7 @@
               <a:buChar char=""/>
             </a:pPr>
             <a:r>
-              <a:rPr b="0" lang="en-US" sz="2400" spc="-1" strike="noStrike">
+              <a:rPr b="0" lang="en-US" sz="1800" spc="-1" strike="noStrike">
                 <a:solidFill>
                   <a:srgbClr val="000000"/>
                 </a:solidFill>
@@ -3151,7 +3151,7 @@
               </a:rPr>
               <a:t>Third Outline Level</a:t>
             </a:r>
-            <a:endParaRPr b="0" lang="en-US" sz="2400" spc="-1" strike="noStrike">
+            <a:endParaRPr b="0" lang="en-US" sz="1800" spc="-1" strike="noStrike">
               <a:solidFill>
                 <a:srgbClr val="000000"/>
               </a:solidFill>
@@ -3173,7 +3173,7 @@
               <a:buChar char=""/>
             </a:pPr>
             <a:r>
-              <a:rPr b="0" lang="en-US" sz="2000" spc="-1" strike="noStrike">
+              <a:rPr b="0" lang="en-US" sz="1800" spc="-1" strike="noStrike">
                 <a:solidFill>
                   <a:srgbClr val="000000"/>
                 </a:solidFill>
@@ -3186,7 +3186,7 @@
               </a:rPr>
               <a:t>Fourth Outline Level</a:t>
             </a:r>
-            <a:endParaRPr b="0" lang="en-US" sz="2000" spc="-1" strike="noStrike">
+            <a:endParaRPr b="0" lang="en-US" sz="1800" spc="-1" strike="noStrike">
               <a:solidFill>
                 <a:srgbClr val="000000"/>
               </a:solidFill>
@@ -3208,7 +3208,7 @@
               <a:buChar char=""/>
             </a:pPr>
             <a:r>
-              <a:rPr b="0" lang="en-US" sz="2000" spc="-1" strike="noStrike">
+              <a:rPr b="0" lang="en-US" sz="1800" spc="-1" strike="noStrike">
                 <a:solidFill>
                   <a:srgbClr val="000000"/>
                 </a:solidFill>
@@ -3221,7 +3221,7 @@
               </a:rPr>
               <a:t>Fifth Outline Level</a:t>
             </a:r>
-            <a:endParaRPr b="0" lang="en-US" sz="2000" spc="-1" strike="noStrike">
+            <a:endParaRPr b="0" lang="en-US" sz="1800" spc="-1" strike="noStrike">
               <a:solidFill>
                 <a:srgbClr val="000000"/>
               </a:solidFill>
@@ -3243,7 +3243,7 @@
               <a:buChar char=""/>
             </a:pPr>
             <a:r>
-              <a:rPr b="0" lang="en-US" sz="2000" spc="-1" strike="noStrike">
+              <a:rPr b="0" lang="en-US" sz="1800" spc="-1" strike="noStrike">
                 <a:solidFill>
                   <a:srgbClr val="000000"/>
                 </a:solidFill>
@@ -3256,7 +3256,7 @@
               </a:rPr>
               <a:t>Sixth Outline Level</a:t>
             </a:r>
-            <a:endParaRPr b="0" lang="en-US" sz="2000" spc="-1" strike="noStrike">
+            <a:endParaRPr b="0" lang="en-US" sz="1800" spc="-1" strike="noStrike">
               <a:solidFill>
                 <a:srgbClr val="000000"/>
               </a:solidFill>
@@ -3278,7 +3278,7 @@
               <a:buChar char=""/>
             </a:pPr>
             <a:r>
-              <a:rPr b="0" lang="en-US" sz="2000" spc="-1" strike="noStrike">
+              <a:rPr b="0" lang="en-US" sz="1800" spc="-1" strike="noStrike">
                 <a:solidFill>
                   <a:srgbClr val="000000"/>
                 </a:solidFill>
@@ -3291,7 +3291,7 @@
               </a:rPr>
               <a:t>Seventh Outline Level</a:t>
             </a:r>
-            <a:endParaRPr b="0" lang="en-US" sz="2000" spc="-1" strike="noStrike">
+            <a:endParaRPr b="0" lang="en-US" sz="1800" spc="-1" strike="noStrike">
               <a:solidFill>
                 <a:srgbClr val="000000"/>
               </a:solidFill>
@@ -3714,7 +3714,7 @@
         <p:spPr>
           <a:xfrm>
             <a:off x="685800" y="2130480"/>
-            <a:ext cx="7771680" cy="1469160"/>
+            <a:ext cx="7771320" cy="1468800"/>
           </a:xfrm>
           <a:prstGeom prst="rect">
             <a:avLst/>
@@ -3744,6 +3744,7 @@
                   </a:solidFill>
                 </a:uFill>
                 <a:latin typeface="Calibri"/>
+                <a:ea typeface="DejaVu Sans"/>
               </a:rPr>
               <a:t>Datalogers professionelle identitet</a:t>
             </a:r>
@@ -3776,6 +3777,7 @@
                   </a:solidFill>
                 </a:uFill>
                 <a:latin typeface="Calibri"/>
+                <a:ea typeface="DejaVu Sans"/>
               </a:rPr>
               <a:t>VtDat 17. maj 2018</a:t>
             </a:r>
@@ -3802,7 +3804,7 @@
         <p:spPr>
           <a:xfrm>
             <a:off x="1050480" y="3886200"/>
-            <a:ext cx="6400080" cy="1751760"/>
+            <a:ext cx="6399720" cy="1751400"/>
           </a:xfrm>
           <a:prstGeom prst="rect">
             <a:avLst/>
@@ -3837,6 +3839,7 @@
                   </a:solidFill>
                 </a:uFill>
                 <a:latin typeface="Calibri"/>
+                <a:ea typeface="DejaVu Sans"/>
               </a:rPr>
               <a:t>Kasper </a:t>
             </a:r>
@@ -3869,6 +3872,7 @@
                   </a:solidFill>
                 </a:uFill>
                 <a:latin typeface="Calibri"/>
+                <a:ea typeface="DejaVu Sans"/>
               </a:rPr>
               <a:t>Christian </a:t>
             </a:r>
@@ -3901,6 +3905,7 @@
                   </a:solidFill>
                 </a:uFill>
                 <a:latin typeface="Calibri"/>
+                <a:ea typeface="DejaVu Sans"/>
               </a:rPr>
               <a:t>Adam</a:t>
             </a:r>
@@ -3994,7 +3999,7 @@
         <p:spPr>
           <a:xfrm>
             <a:off x="457200" y="274680"/>
-            <a:ext cx="8228880" cy="1142280"/>
+            <a:ext cx="8228520" cy="1141920"/>
           </a:xfrm>
           <a:prstGeom prst="rect">
             <a:avLst/>
@@ -4029,6 +4034,7 @@
                   </a:solidFill>
                 </a:uFill>
                 <a:latin typeface="Calibri"/>
+                <a:ea typeface="DejaVu Sans"/>
               </a:rPr>
               <a:t>Kulturelle konflikter</a:t>
             </a:r>
@@ -4055,7 +4061,7 @@
         <p:spPr>
           <a:xfrm>
             <a:off x="457200" y="1600200"/>
-            <a:ext cx="8228880" cy="4525200"/>
+            <a:ext cx="8228520" cy="4524840"/>
           </a:xfrm>
           <a:prstGeom prst="rect">
             <a:avLst/>
@@ -4074,7 +4080,7 @@
         <p:txBody>
           <a:bodyPr lIns="90000" rIns="90000" tIns="45000" bIns="45000"/>
           <a:p>
-            <a:pPr marL="432000" indent="-323640">
+            <a:pPr marL="432000" indent="-323280">
               <a:lnSpc>
                 <a:spcPct val="100000"/>
               </a:lnSpc>
@@ -4096,6 +4102,7 @@
                   </a:solidFill>
                 </a:uFill>
                 <a:latin typeface="Calibri"/>
+                <a:ea typeface="DejaVu Sans"/>
               </a:rPr>
               <a:t>Fortørnelse hos andre ansatte/ledere:</a:t>
             </a:r>
@@ -4112,7 +4119,7 @@
             </a:endParaRPr>
           </a:p>
           <a:p>
-            <a:pPr lvl="1" marL="864000" indent="-323640">
+            <a:pPr lvl="1" marL="864000" indent="-323280">
               <a:lnSpc>
                 <a:spcPct val="100000"/>
               </a:lnSpc>
@@ -4134,6 +4141,7 @@
                   </a:solidFill>
                 </a:uFill>
                 <a:latin typeface="Calibri"/>
+                <a:ea typeface="DejaVu Sans"/>
               </a:rPr>
               <a:t>Programmører agerede ofte som konsulenter.</a:t>
             </a:r>
@@ -4150,7 +4158,7 @@
             </a:endParaRPr>
           </a:p>
           <a:p>
-            <a:pPr lvl="1" marL="864000" indent="-323640">
+            <a:pPr lvl="1" marL="864000" indent="-323280">
               <a:lnSpc>
                 <a:spcPct val="100000"/>
               </a:lnSpc>
@@ -4172,6 +4180,7 @@
                   </a:solidFill>
                 </a:uFill>
                 <a:latin typeface="Calibri"/>
+                <a:ea typeface="DejaVu Sans"/>
               </a:rPr>
               <a:t>Programmører havde høj grad autonomi:</a:t>
             </a:r>
@@ -4188,7 +4197,7 @@
             </a:endParaRPr>
           </a:p>
           <a:p>
-            <a:pPr lvl="5" marL="1296000" indent="-216000">
+            <a:pPr lvl="5" marL="1296000" indent="-215640">
               <a:lnSpc>
                 <a:spcPct val="100000"/>
               </a:lnSpc>
@@ -4210,6 +4219,7 @@
                   </a:solidFill>
                 </a:uFill>
                 <a:latin typeface="Calibri"/>
+                <a:ea typeface="DejaVu Sans"/>
               </a:rPr>
               <a:t>‘</a:t>
             </a:r>
@@ -4224,6 +4234,7 @@
                   </a:solidFill>
                 </a:uFill>
                 <a:latin typeface="Calibri"/>
+                <a:ea typeface="DejaVu Sans"/>
               </a:rPr>
               <a:t>the long-haired programming priesthood’, </a:t>
             </a:r>
@@ -4240,7 +4251,7 @@
             </a:endParaRPr>
           </a:p>
           <a:p>
-            <a:pPr lvl="6" marL="1512000" indent="-216000">
+            <a:pPr lvl="6" marL="1512000" indent="-215640">
               <a:lnSpc>
                 <a:spcPct val="100000"/>
               </a:lnSpc>
@@ -4262,6 +4273,7 @@
                   </a:solidFill>
                 </a:uFill>
                 <a:latin typeface="Calibri"/>
+                <a:ea typeface="DejaVu Sans"/>
               </a:rPr>
               <a:t>Martin Campbell-Kelly &amp; William Aspray</a:t>
             </a:r>
@@ -4278,7 +4290,7 @@
             </a:endParaRPr>
           </a:p>
           <a:p>
-            <a:pPr lvl="1" marL="864000" indent="-323640">
+            <a:pPr lvl="1" marL="864000" indent="-323280">
               <a:lnSpc>
                 <a:spcPct val="100000"/>
               </a:lnSpc>
@@ -4300,6 +4312,7 @@
                   </a:solidFill>
                 </a:uFill>
                 <a:latin typeface="Calibri"/>
+                <a:ea typeface="DejaVu Sans"/>
               </a:rPr>
               <a:t>Programmørers lønninger stiger disproportionelt til andre fagområder.</a:t>
             </a:r>
@@ -4316,7 +4329,7 @@
             </a:endParaRPr>
           </a:p>
           <a:p>
-            <a:pPr lvl="1" marL="864000" indent="-323640">
+            <a:pPr lvl="1" marL="864000" indent="-323280">
               <a:lnSpc>
                 <a:spcPct val="100000"/>
               </a:lnSpc>
@@ -4338,6 +4351,7 @@
                   </a:solidFill>
                 </a:uFill>
                 <a:latin typeface="Calibri"/>
+                <a:ea typeface="DejaVu Sans"/>
               </a:rPr>
               <a:t>Programmører havde høj grad af horisontal mobilitet.</a:t>
             </a:r>
@@ -4354,7 +4368,7 @@
             </a:endParaRPr>
           </a:p>
           <a:p>
-            <a:pPr lvl="1" marL="864000" indent="-323640">
+            <a:pPr lvl="1" marL="864000" indent="-323280">
               <a:lnSpc>
                 <a:spcPct val="100000"/>
               </a:lnSpc>
@@ -4376,6 +4390,7 @@
                   </a:solidFill>
                 </a:uFill>
                 <a:latin typeface="Calibri"/>
+                <a:ea typeface="DejaVu Sans"/>
               </a:rPr>
               <a:t>Kompetencer kunne erstatte mange administrative opgaver.</a:t>
             </a:r>
@@ -4426,6 +4441,7 @@
                   </a:solidFill>
                 </a:uFill>
                 <a:latin typeface="Calibri"/>
+                <a:ea typeface="DejaVu Sans"/>
               </a:rPr>
               <a:t>Resulterer I distancering mellem programmører og andre ansatte/ledere.</a:t>
             </a:r>
@@ -4501,7 +4517,7 @@
         <p:spPr>
           <a:xfrm>
             <a:off x="457200" y="274680"/>
-            <a:ext cx="8228880" cy="1142280"/>
+            <a:ext cx="8228520" cy="1141920"/>
           </a:xfrm>
           <a:prstGeom prst="rect">
             <a:avLst/>
@@ -4536,6 +4552,7 @@
                   </a:solidFill>
                 </a:uFill>
                 <a:latin typeface="Calibri"/>
+                <a:ea typeface="DejaVu Sans"/>
               </a:rPr>
               <a:t>Kulturelle konflikter</a:t>
             </a:r>
@@ -4562,7 +4579,7 @@
         <p:spPr>
           <a:xfrm>
             <a:off x="457200" y="1600200"/>
-            <a:ext cx="8228880" cy="4525200"/>
+            <a:ext cx="8228520" cy="4524840"/>
           </a:xfrm>
           <a:prstGeom prst="rect">
             <a:avLst/>
@@ -4581,7 +4598,7 @@
         <p:txBody>
           <a:bodyPr lIns="90000" rIns="90000" tIns="45000" bIns="45000"/>
           <a:p>
-            <a:pPr marL="432000" indent="-323640">
+            <a:pPr marL="432000" indent="-323280">
               <a:lnSpc>
                 <a:spcPct val="100000"/>
               </a:lnSpc>
@@ -4603,6 +4620,7 @@
                   </a:solidFill>
                 </a:uFill>
                 <a:latin typeface="Calibri"/>
+                <a:ea typeface="DejaVu Sans"/>
               </a:rPr>
               <a:t>Uddannelse og akademisk identitet:</a:t>
             </a:r>
@@ -4619,7 +4637,7 @@
             </a:endParaRPr>
           </a:p>
           <a:p>
-            <a:pPr lvl="1" marL="864000" indent="-323640">
+            <a:pPr lvl="1" marL="864000" indent="-323280">
               <a:lnSpc>
                 <a:spcPct val="100000"/>
               </a:lnSpc>
@@ -4641,6 +4659,7 @@
                   </a:solidFill>
                 </a:uFill>
                 <a:latin typeface="Calibri"/>
+                <a:ea typeface="DejaVu Sans"/>
               </a:rPr>
               <a:t>Universitetsuddannet eller dropout?</a:t>
             </a:r>
@@ -4657,7 +4676,7 @@
             </a:endParaRPr>
           </a:p>
           <a:p>
-            <a:pPr marL="432000" indent="-323640">
+            <a:pPr marL="432000" indent="-323280">
               <a:lnSpc>
                 <a:spcPct val="100000"/>
               </a:lnSpc>
@@ -4679,6 +4698,7 @@
                   </a:solidFill>
                 </a:uFill>
                 <a:latin typeface="Calibri"/>
+                <a:ea typeface="DejaVu Sans"/>
               </a:rPr>
               <a:t>Programmørens rolle:</a:t>
             </a:r>
@@ -4695,7 +4715,7 @@
             </a:endParaRPr>
           </a:p>
           <a:p>
-            <a:pPr lvl="1" marL="864000" indent="-323640">
+            <a:pPr lvl="1" marL="864000" indent="-323280">
               <a:lnSpc>
                 <a:spcPct val="100000"/>
               </a:lnSpc>
@@ -4717,6 +4737,7 @@
                   </a:solidFill>
                 </a:uFill>
                 <a:latin typeface="Calibri"/>
+                <a:ea typeface="DejaVu Sans"/>
               </a:rPr>
               <a:t>Orakel eller ‘tekniker’?</a:t>
             </a:r>
@@ -4733,7 +4754,7 @@
             </a:endParaRPr>
           </a:p>
           <a:p>
-            <a:pPr marL="432000" indent="-323640">
+            <a:pPr marL="432000" indent="-323280">
               <a:lnSpc>
                 <a:spcPct val="100000"/>
               </a:lnSpc>
@@ -4755,6 +4776,7 @@
                   </a:solidFill>
                 </a:uFill>
                 <a:latin typeface="Calibri"/>
+                <a:ea typeface="DejaVu Sans"/>
               </a:rPr>
               <a:t>Internationalisering:</a:t>
             </a:r>
@@ -4771,7 +4793,7 @@
             </a:endParaRPr>
           </a:p>
           <a:p>
-            <a:pPr lvl="1" marL="864000" indent="-323640">
+            <a:pPr lvl="1" marL="864000" indent="-323280">
               <a:lnSpc>
                 <a:spcPct val="100000"/>
               </a:lnSpc>
@@ -4793,6 +4815,7 @@
                   </a:solidFill>
                 </a:uFill>
                 <a:latin typeface="Calibri"/>
+                <a:ea typeface="DejaVu Sans"/>
               </a:rPr>
               <a:t>Høj efterspørgsel resulterede i import af udenlandsk programmører.</a:t>
             </a:r>
@@ -4868,7 +4891,7 @@
         <p:spPr>
           <a:xfrm>
             <a:off x="457200" y="274680"/>
-            <a:ext cx="8228880" cy="1142280"/>
+            <a:ext cx="8228520" cy="1141920"/>
           </a:xfrm>
           <a:prstGeom prst="rect">
             <a:avLst/>
@@ -4903,6 +4926,7 @@
                   </a:solidFill>
                 </a:uFill>
                 <a:latin typeface="Calibri"/>
+                <a:ea typeface="DejaVu Sans"/>
               </a:rPr>
               <a:t>Erhvervets vs. datalogens interesser</a:t>
             </a:r>
@@ -4929,7 +4953,7 @@
         <p:spPr>
           <a:xfrm>
             <a:off x="457200" y="1600200"/>
-            <a:ext cx="8228880" cy="714960"/>
+            <a:ext cx="8228520" cy="714600"/>
           </a:xfrm>
           <a:prstGeom prst="rect">
             <a:avLst/>
@@ -4964,6 +4988,7 @@
                   </a:solidFill>
                 </a:uFill>
                 <a:latin typeface="Calibri"/>
+                <a:ea typeface="DejaVu Sans"/>
               </a:rPr>
               <a:t>Den organisatoriske konflikt</a:t>
             </a:r>
@@ -5008,7 +5033,7 @@
         <p:spPr>
           <a:xfrm>
             <a:off x="792000" y="2315880"/>
-            <a:ext cx="7649280" cy="4479120"/>
+            <a:ext cx="7648920" cy="4478760"/>
           </a:xfrm>
           <a:prstGeom prst="rect">
             <a:avLst/>
@@ -5027,7 +5052,7 @@
         <p:txBody>
           <a:bodyPr lIns="90000" rIns="90000" tIns="45000" bIns="45000"/>
           <a:p>
-            <a:pPr marL="285840" indent="-285120">
+            <a:pPr marL="285840" indent="-284760">
               <a:lnSpc>
                 <a:spcPct val="100000"/>
               </a:lnSpc>
@@ -5065,7 +5090,7 @@
             </a:endParaRPr>
           </a:p>
           <a:p>
-            <a:pPr marL="285840" indent="-285120">
+            <a:pPr marL="285840" indent="-284760">
               <a:lnSpc>
                 <a:spcPct val="100000"/>
               </a:lnSpc>
@@ -5103,7 +5128,7 @@
             </a:endParaRPr>
           </a:p>
           <a:p>
-            <a:pPr marL="285840" indent="-285120">
+            <a:pPr marL="285840" indent="-284760">
               <a:lnSpc>
                 <a:spcPct val="100000"/>
               </a:lnSpc>
@@ -5141,7 +5166,7 @@
             </a:endParaRPr>
           </a:p>
           <a:p>
-            <a:pPr marL="285840" indent="-285120">
+            <a:pPr marL="285840" indent="-284760">
               <a:lnSpc>
                 <a:spcPct val="100000"/>
               </a:lnSpc>
@@ -5179,7 +5204,7 @@
             </a:endParaRPr>
           </a:p>
           <a:p>
-            <a:pPr marL="285840" indent="-285120">
+            <a:pPr marL="285840" indent="-284760">
               <a:lnSpc>
                 <a:spcPct val="100000"/>
               </a:lnSpc>
@@ -5217,7 +5242,7 @@
             </a:endParaRPr>
           </a:p>
           <a:p>
-            <a:pPr marL="285840" indent="-285120">
+            <a:pPr marL="285840" indent="-284760">
               <a:lnSpc>
                 <a:spcPct val="100000"/>
               </a:lnSpc>
@@ -5255,7 +5280,7 @@
             </a:endParaRPr>
           </a:p>
           <a:p>
-            <a:pPr marL="285840" indent="-285120">
+            <a:pPr marL="285840" indent="-284760">
               <a:lnSpc>
                 <a:spcPct val="100000"/>
               </a:lnSpc>
@@ -5293,7 +5318,7 @@
             </a:endParaRPr>
           </a:p>
           <a:p>
-            <a:pPr marL="285840" indent="-285120">
+            <a:pPr marL="285840" indent="-284760">
               <a:lnSpc>
                 <a:spcPct val="100000"/>
               </a:lnSpc>
@@ -5331,7 +5356,7 @@
             </a:endParaRPr>
           </a:p>
           <a:p>
-            <a:pPr marL="285840" indent="-285120">
+            <a:pPr marL="285840" indent="-284760">
               <a:lnSpc>
                 <a:spcPct val="100000"/>
               </a:lnSpc>
@@ -5500,7 +5525,7 @@
         <p:spPr>
           <a:xfrm>
             <a:off x="457200" y="274680"/>
-            <a:ext cx="8228880" cy="1142280"/>
+            <a:ext cx="8228520" cy="1141920"/>
           </a:xfrm>
           <a:prstGeom prst="rect">
             <a:avLst/>
@@ -5535,6 +5560,7 @@
                   </a:solidFill>
                 </a:uFill>
                 <a:latin typeface="Calibri"/>
+                <a:ea typeface="DejaVu Sans"/>
               </a:rPr>
               <a:t>Erhvervets vs. datalogens interesser</a:t>
             </a:r>
@@ -5561,7 +5587,7 @@
         <p:spPr>
           <a:xfrm>
             <a:off x="457200" y="1600200"/>
-            <a:ext cx="8228880" cy="4525200"/>
+            <a:ext cx="8228520" cy="4524840"/>
           </a:xfrm>
           <a:prstGeom prst="rect">
             <a:avLst/>
@@ -5596,6 +5622,7 @@
                   </a:solidFill>
                 </a:uFill>
                 <a:latin typeface="Calibri"/>
+                <a:ea typeface="DejaVu Sans"/>
               </a:rPr>
               <a:t>Den kulturelle konflikt</a:t>
             </a:r>
@@ -5640,7 +5667,7 @@
         <p:spPr>
           <a:xfrm>
             <a:off x="457200" y="2450520"/>
-            <a:ext cx="8357400" cy="5635800"/>
+            <a:ext cx="8357040" cy="5635440"/>
           </a:xfrm>
           <a:prstGeom prst="rect">
             <a:avLst/>
@@ -5659,7 +5686,7 @@
         <p:txBody>
           <a:bodyPr lIns="90000" rIns="90000" tIns="45000" bIns="45000"/>
           <a:p>
-            <a:pPr marL="457200" indent="-456480">
+            <a:pPr marL="457200" indent="-456120">
               <a:lnSpc>
                 <a:spcPct val="100000"/>
               </a:lnSpc>
@@ -5697,7 +5724,7 @@
             </a:endParaRPr>
           </a:p>
           <a:p>
-            <a:pPr marL="457200" indent="-456480">
+            <a:pPr marL="457200" indent="-456120">
               <a:lnSpc>
                 <a:spcPct val="100000"/>
               </a:lnSpc>
@@ -5735,7 +5762,7 @@
             </a:endParaRPr>
           </a:p>
           <a:p>
-            <a:pPr marL="457200" indent="-456480">
+            <a:pPr marL="457200" indent="-456120">
               <a:lnSpc>
                 <a:spcPct val="100000"/>
               </a:lnSpc>
@@ -6021,7 +6048,7 @@
         <p:spPr>
           <a:xfrm>
             <a:off x="457200" y="274680"/>
-            <a:ext cx="8228880" cy="1142280"/>
+            <a:ext cx="8228520" cy="1141920"/>
           </a:xfrm>
           <a:prstGeom prst="rect">
             <a:avLst/>
@@ -6056,6 +6083,7 @@
                   </a:solidFill>
                 </a:uFill>
                 <a:latin typeface="Calibri"/>
+                <a:ea typeface="DejaVu Sans"/>
               </a:rPr>
               <a:t>Spilvirksomheden </a:t>
             </a:r>
@@ -6070,6 +6098,7 @@
                   </a:solidFill>
                 </a:uFill>
                 <a:latin typeface="Calibri"/>
+                <a:ea typeface="DejaVu Sans"/>
               </a:rPr>
               <a:t>Atari</a:t>
             </a:r>
@@ -6084,6 +6113,7 @@
                   </a:solidFill>
                 </a:uFill>
                 <a:latin typeface="Calibri"/>
+                <a:ea typeface="DejaVu Sans"/>
               </a:rPr>
               <a:t> 1977</a:t>
             </a:r>
@@ -6110,7 +6140,7 @@
         <p:spPr>
           <a:xfrm>
             <a:off x="457200" y="1600200"/>
-            <a:ext cx="8228880" cy="4525200"/>
+            <a:ext cx="8228520" cy="4524840"/>
           </a:xfrm>
           <a:prstGeom prst="rect">
             <a:avLst/>
@@ -6145,6 +6175,7 @@
                   </a:solidFill>
                 </a:uFill>
                 <a:latin typeface="Calibri"/>
+                <a:ea typeface="DejaVu Sans"/>
               </a:rPr>
               <a:t>”</a:t>
             </a:r>
@@ -6159,6 +6190,7 @@
                   </a:solidFill>
                 </a:uFill>
                 <a:latin typeface="Calibri"/>
+                <a:ea typeface="DejaVu Sans"/>
               </a:rPr>
               <a:t>Da jeg [konsulenten] ankom, havde jeg jakkesæt og slips på og mødte Nolan Bushnell [grundlæggeren]. Han havde en t-shirt på. På t-shirten stod der: ’I love to fuck’. Det var mit første møde med Atari.”</a:t>
             </a:r>
@@ -6191,6 +6223,7 @@
                   </a:solidFill>
                 </a:uFill>
                 <a:latin typeface="Calibri"/>
+                <a:ea typeface="DejaVu Sans"/>
               </a:rPr>
               <a:t>Ray Kassar citeret i </a:t>
             </a:r>
@@ -6223,6 +6256,7 @@
                   </a:solidFill>
                 </a:uFill>
                 <a:latin typeface="Calibri"/>
+                <a:ea typeface="DejaVu Sans"/>
               </a:rPr>
               <a:t>Computerspillenes historie 1945-2010</a:t>
             </a:r>
@@ -6237,6 +6271,7 @@
                   </a:solidFill>
                 </a:uFill>
                 <a:latin typeface="Calibri"/>
+                <a:ea typeface="DejaVu Sans"/>
               </a:rPr>
               <a:t>, s. 99 </a:t>
             </a:r>
@@ -6269,6 +6304,7 @@
                   </a:solidFill>
                 </a:uFill>
                 <a:latin typeface="Calibri"/>
+                <a:ea typeface="DejaVu Sans"/>
               </a:rPr>
               <a:t>(Tristan Donovan, Herreværelset, 2010)</a:t>
             </a:r>
@@ -6317,7 +6353,7 @@
         <p:spPr>
           <a:xfrm>
             <a:off x="457200" y="274680"/>
-            <a:ext cx="8228880" cy="1142280"/>
+            <a:ext cx="8228520" cy="1141920"/>
           </a:xfrm>
           <a:prstGeom prst="rect">
             <a:avLst/>
@@ -6352,6 +6388,7 @@
                   </a:solidFill>
                 </a:uFill>
                 <a:latin typeface="Calibri"/>
+                <a:ea typeface="DejaVu Sans"/>
               </a:rPr>
               <a:t>Erhvervets vs. datalogens interesser</a:t>
             </a:r>
@@ -6378,7 +6415,7 @@
         <p:spPr>
           <a:xfrm>
             <a:off x="457200" y="1600200"/>
-            <a:ext cx="8228880" cy="4525200"/>
+            <a:ext cx="8228520" cy="4524840"/>
           </a:xfrm>
           <a:prstGeom prst="rect">
             <a:avLst/>
@@ -6413,6 +6450,7 @@
                   </a:solidFill>
                 </a:uFill>
                 <a:latin typeface="Calibri"/>
+                <a:ea typeface="DejaVu Sans"/>
               </a:rPr>
               <a:t>Den territoriale konflikt</a:t>
             </a:r>
@@ -6447,7 +6485,7 @@
             </a:endParaRPr>
           </a:p>
           <a:p>
-            <a:pPr marL="343080" indent="-342360">
+            <a:pPr marL="343080" indent="-342000">
               <a:lnSpc>
                 <a:spcPct val="100000"/>
               </a:lnSpc>
@@ -6468,6 +6506,7 @@
                   </a:solidFill>
                 </a:uFill>
                 <a:latin typeface="Calibri"/>
+                <a:ea typeface="DejaVu Sans"/>
               </a:rPr>
               <a:t>Udrydde den individuelle programmør, s. 155 </a:t>
             </a:r>
@@ -6484,7 +6523,7 @@
             </a:endParaRPr>
           </a:p>
           <a:p>
-            <a:pPr marL="343080" indent="-342360">
+            <a:pPr marL="343080" indent="-342000">
               <a:lnSpc>
                 <a:spcPct val="100000"/>
               </a:lnSpc>
@@ -6505,6 +6544,7 @@
                   </a:solidFill>
                 </a:uFill>
                 <a:latin typeface="Calibri"/>
+                <a:ea typeface="DejaVu Sans"/>
               </a:rPr>
               <a:t>”… </a:t>
             </a:r>
@@ -6519,6 +6559,7 @@
                   </a:solidFill>
                 </a:uFill>
                 <a:latin typeface="Calibri"/>
+                <a:ea typeface="DejaVu Sans"/>
               </a:rPr>
               <a:t>the real business of software development was analysis”, s. 157</a:t>
             </a:r>
@@ -6535,7 +6576,7 @@
             </a:endParaRPr>
           </a:p>
           <a:p>
-            <a:pPr marL="343080" indent="-342360">
+            <a:pPr marL="343080" indent="-342000">
               <a:lnSpc>
                 <a:spcPct val="100000"/>
               </a:lnSpc>
@@ -6556,6 +6597,7 @@
                   </a:solidFill>
                 </a:uFill>
                 <a:latin typeface="Calibri"/>
+                <a:ea typeface="DejaVu Sans"/>
               </a:rPr>
               <a:t>Software crisis, som en management krise og ikke en tech krise, s. 166</a:t>
             </a:r>
@@ -6730,7 +6772,7 @@
         <p:spPr>
           <a:xfrm>
             <a:off x="457200" y="274680"/>
-            <a:ext cx="8228880" cy="1142280"/>
+            <a:ext cx="8228520" cy="1141920"/>
           </a:xfrm>
           <a:prstGeom prst="rect">
             <a:avLst/>
@@ -6756,7 +6798,7 @@
         <p:spPr>
           <a:xfrm>
             <a:off x="457200" y="1600200"/>
-            <a:ext cx="8228880" cy="4525200"/>
+            <a:ext cx="8228520" cy="4524840"/>
           </a:xfrm>
           <a:prstGeom prst="rect">
             <a:avLst/>
@@ -6791,6 +6833,7 @@
                   </a:solidFill>
                 </a:uFill>
                 <a:latin typeface="Calibri"/>
+                <a:ea typeface="DejaVu Sans"/>
               </a:rPr>
               <a:t>”… </a:t>
             </a:r>
@@ -6805,6 +6848,7 @@
                   </a:solidFill>
                 </a:uFill>
                 <a:latin typeface="Calibri"/>
+                <a:ea typeface="DejaVu Sans"/>
               </a:rPr>
               <a:t>programmers, systems analysts, and other software workers are experiencing efforts to break down, simplify, routinize, and standardize their own work so that it, too, can be done by machines rather than people”</a:t>
             </a:r>
@@ -6837,6 +6881,7 @@
                   </a:solidFill>
                 </a:uFill>
                 <a:latin typeface="Calibri"/>
+                <a:ea typeface="DejaVu Sans"/>
               </a:rPr>
               <a:t>Philip Kraft citeret på s. 173</a:t>
             </a:r>
@@ -6903,7 +6948,7 @@
         <p:spPr>
           <a:xfrm>
             <a:off x="457200" y="893160"/>
-            <a:ext cx="8228880" cy="5232240"/>
+            <a:ext cx="8228520" cy="5231880"/>
           </a:xfrm>
           <a:prstGeom prst="rect">
             <a:avLst/>
@@ -6938,6 +6983,7 @@
                   </a:solidFill>
                 </a:uFill>
                 <a:latin typeface="Calibri"/>
+                <a:ea typeface="DejaVu Sans"/>
               </a:rPr>
               <a:t>Letting the “Computer Boys” Take Over: </a:t>
             </a:r>
@@ -6952,6 +6998,7 @@
                   </a:solidFill>
                 </a:uFill>
                 <a:latin typeface="Calibri"/>
+                <a:ea typeface="DejaVu Sans"/>
               </a:rPr>
               <a:t>Technology and the Politics of Organizational Transformation</a:t>
             </a:r>
@@ -7040,7 +7087,7 @@
             </a:endParaRPr>
           </a:p>
           <a:p>
-            <a:pPr marL="343080" indent="-342360">
+            <a:pPr marL="343080" indent="-342000">
               <a:lnSpc>
                 <a:spcPct val="100000"/>
               </a:lnSpc>
@@ -7061,6 +7108,7 @@
                   </a:solidFill>
                 </a:uFill>
                 <a:latin typeface="Calibri"/>
+                <a:ea typeface="DejaVu Sans"/>
               </a:rPr>
               <a:t>International Review of Social History </a:t>
             </a:r>
@@ -7075,6 +7123,7 @@
                   </a:solidFill>
                 </a:uFill>
                 <a:latin typeface="Calibri"/>
+                <a:ea typeface="DejaVu Sans"/>
               </a:rPr>
               <a:t> </a:t>
             </a:r>
@@ -7091,7 +7140,7 @@
             </a:endParaRPr>
           </a:p>
           <a:p>
-            <a:pPr marL="343080" indent="-342360">
+            <a:pPr marL="343080" indent="-342000">
               <a:lnSpc>
                 <a:spcPct val="100000"/>
               </a:lnSpc>
@@ -7112,6 +7161,7 @@
                   </a:solidFill>
                 </a:uFill>
                 <a:latin typeface="Calibri"/>
+                <a:ea typeface="DejaVu Sans"/>
               </a:rPr>
               <a:t>Internationaal Instituut voor Sociale Geschiedenis</a:t>
             </a:r>
@@ -7128,7 +7178,7 @@
             </a:endParaRPr>
           </a:p>
           <a:p>
-            <a:pPr marL="343080" indent="-342360">
+            <a:pPr marL="343080" indent="-342000">
               <a:lnSpc>
                 <a:spcPct val="100000"/>
               </a:lnSpc>
@@ -7149,6 +7199,7 @@
                   </a:solidFill>
                 </a:uFill>
                 <a:latin typeface="Calibri"/>
+                <a:ea typeface="DejaVu Sans"/>
               </a:rPr>
               <a:t>Amsterdam, Holland, December 2003</a:t>
             </a:r>
@@ -7165,7 +7216,7 @@
             </a:endParaRPr>
           </a:p>
           <a:p>
-            <a:pPr marL="343080" indent="-342360">
+            <a:pPr marL="343080" indent="-342000">
               <a:lnSpc>
                 <a:spcPct val="100000"/>
               </a:lnSpc>
@@ -7186,6 +7237,7 @@
                   </a:solidFill>
                 </a:uFill>
                 <a:latin typeface="Calibri"/>
+                <a:ea typeface="DejaVu Sans"/>
               </a:rPr>
               <a:t>Temaudgivelse om </a:t>
             </a:r>
@@ -7200,6 +7252,7 @@
                   </a:solidFill>
                 </a:uFill>
                 <a:latin typeface="Calibri"/>
+                <a:ea typeface="DejaVu Sans"/>
               </a:rPr>
               <a:t>Information Revolution</a:t>
             </a:r>
@@ -7311,7 +7364,7 @@
         <p:spPr>
           <a:xfrm>
             <a:off x="457200" y="274680"/>
-            <a:ext cx="8228880" cy="1142280"/>
+            <a:ext cx="8228520" cy="1141920"/>
           </a:xfrm>
           <a:prstGeom prst="rect">
             <a:avLst/>
@@ -7337,7 +7390,7 @@
         <p:spPr>
           <a:xfrm>
             <a:off x="457200" y="1600200"/>
-            <a:ext cx="8228880" cy="4525200"/>
+            <a:ext cx="8228520" cy="4524840"/>
           </a:xfrm>
           <a:prstGeom prst="rect">
             <a:avLst/>
@@ -7372,6 +7425,7 @@
                   </a:solidFill>
                 </a:uFill>
                 <a:latin typeface="Calibri"/>
+                <a:ea typeface="DejaVu Sans"/>
               </a:rPr>
               <a:t>Informations revolutionen</a:t>
             </a:r>
@@ -7386,6 +7440,7 @@
                   </a:solidFill>
                 </a:uFill>
                 <a:latin typeface="Calibri"/>
+                <a:ea typeface="DejaVu Sans"/>
               </a:rPr>
               <a:t> kan sammenlignes med indførelsen af landbrug og hushold eller med den industrielle revolution. </a:t>
             </a:r>
@@ -7436,6 +7491,7 @@
                   </a:solidFill>
                 </a:uFill>
                 <a:latin typeface="Calibri"/>
+                <a:ea typeface="DejaVu Sans"/>
               </a:rPr>
               <a:t>Se ekstrakt fra introduktion af redaktøren, Aad Blok, </a:t>
             </a:r>
@@ -7468,6 +7524,7 @@
                   </a:solidFill>
                 </a:uFill>
                 <a:latin typeface="Calibri"/>
+                <a:ea typeface="DejaVu Sans"/>
               </a:rPr>
               <a:t>International Review of Social History</a:t>
             </a:r>
@@ -7482,6 +7539,7 @@
                   </a:solidFill>
                 </a:uFill>
                 <a:latin typeface="Calibri"/>
+                <a:ea typeface="DejaVu Sans"/>
               </a:rPr>
               <a:t>, </a:t>
             </a:r>
@@ -7496,6 +7554,7 @@
                   </a:solidFill>
                 </a:uFill>
                 <a:latin typeface="Calibri"/>
+                <a:ea typeface="DejaVu Sans"/>
               </a:rPr>
               <a:t>Volume 48 - Issue S11  </a:t>
             </a:r>
@@ -7589,7 +7648,7 @@
         <p:spPr>
           <a:xfrm>
             <a:off x="457200" y="274680"/>
-            <a:ext cx="8228880" cy="1142280"/>
+            <a:ext cx="8228520" cy="1141920"/>
           </a:xfrm>
           <a:prstGeom prst="rect">
             <a:avLst/>
@@ -7624,6 +7683,7 @@
                   </a:solidFill>
                 </a:uFill>
                 <a:latin typeface="Calibri"/>
+                <a:ea typeface="DejaVu Sans"/>
               </a:rPr>
               <a:t>Oplæggets struktur</a:t>
             </a:r>
@@ -7650,7 +7710,7 @@
         <p:spPr>
           <a:xfrm>
             <a:off x="457200" y="1600200"/>
-            <a:ext cx="8228880" cy="4525200"/>
+            <a:ext cx="8228520" cy="4524840"/>
           </a:xfrm>
           <a:prstGeom prst="rect">
             <a:avLst/>
@@ -7687,7 +7747,7 @@
             </a:endParaRPr>
           </a:p>
           <a:p>
-            <a:pPr marL="514440" indent="-513720">
+            <a:pPr marL="514440" indent="-513360">
               <a:lnSpc>
                 <a:spcPct val="100000"/>
               </a:lnSpc>
@@ -7708,6 +7768,7 @@
                   </a:solidFill>
                 </a:uFill>
                 <a:latin typeface="Calibri"/>
+                <a:ea typeface="DejaVu Sans"/>
               </a:rPr>
               <a:t>Intro til den historiske udvikling af programmering og programmør-identitet </a:t>
             </a:r>
@@ -7722,6 +7783,7 @@
                   </a:solidFill>
                 </a:uFill>
                 <a:latin typeface="Calibri"/>
+                <a:ea typeface="DejaVu Sans"/>
               </a:rPr>
               <a:t>(Kasper)</a:t>
             </a:r>
@@ -7738,7 +7800,7 @@
             </a:endParaRPr>
           </a:p>
           <a:p>
-            <a:pPr marL="514440" indent="-513720">
+            <a:pPr marL="514440" indent="-513360">
               <a:lnSpc>
                 <a:spcPct val="100000"/>
               </a:lnSpc>
@@ -7759,6 +7821,7 @@
                   </a:solidFill>
                 </a:uFill>
                 <a:latin typeface="Calibri"/>
+                <a:ea typeface="DejaVu Sans"/>
               </a:rPr>
               <a:t>Baggrunden for de konflikter teksten nævner </a:t>
             </a:r>
@@ -7773,6 +7836,7 @@
                   </a:solidFill>
                 </a:uFill>
                 <a:latin typeface="Calibri"/>
+                <a:ea typeface="DejaVu Sans"/>
               </a:rPr>
               <a:t>(Adam)</a:t>
             </a:r>
@@ -7789,7 +7853,7 @@
             </a:endParaRPr>
           </a:p>
           <a:p>
-            <a:pPr marL="514440" indent="-513720">
+            <a:pPr marL="514440" indent="-513360">
               <a:lnSpc>
                 <a:spcPct val="100000"/>
               </a:lnSpc>
@@ -7810,6 +7874,7 @@
                   </a:solidFill>
                 </a:uFill>
                 <a:latin typeface="Calibri"/>
+                <a:ea typeface="DejaVu Sans"/>
               </a:rPr>
               <a:t>Diskussion af disse konflikter </a:t>
             </a:r>
@@ -7824,6 +7889,7 @@
                   </a:solidFill>
                 </a:uFill>
                 <a:latin typeface="Calibri"/>
+                <a:ea typeface="DejaVu Sans"/>
               </a:rPr>
               <a:t>(Christian)</a:t>
             </a:r>
@@ -7899,7 +7965,7 @@
         <p:spPr>
           <a:xfrm>
             <a:off x="457200" y="273600"/>
-            <a:ext cx="8228160" cy="1144080"/>
+            <a:ext cx="8227800" cy="1143720"/>
           </a:xfrm>
           <a:prstGeom prst="rect">
             <a:avLst/>
@@ -7961,7 +8027,7 @@
         <p:spPr>
           <a:xfrm>
             <a:off x="457200" y="1604520"/>
-            <a:ext cx="8228160" cy="3976200"/>
+            <a:ext cx="8227800" cy="3975840"/>
           </a:xfrm>
           <a:prstGeom prst="rect">
             <a:avLst/>
@@ -7980,7 +8046,7 @@
         <p:txBody>
           <a:bodyPr lIns="0" rIns="0" tIns="0" bIns="0"/>
           <a:p>
-            <a:pPr marL="432000" indent="-323280">
+            <a:pPr marL="432000" indent="-322920">
               <a:lnSpc>
                 <a:spcPct val="100000"/>
               </a:lnSpc>
@@ -8019,7 +8085,7 @@
             </a:endParaRPr>
           </a:p>
           <a:p>
-            <a:pPr lvl="1" marL="864000" indent="-323280">
+            <a:pPr lvl="1" marL="864000" indent="-322920">
               <a:lnSpc>
                 <a:spcPct val="100000"/>
               </a:lnSpc>
@@ -8058,7 +8124,7 @@
             </a:endParaRPr>
           </a:p>
           <a:p>
-            <a:pPr lvl="1" marL="864000" indent="-323280">
+            <a:pPr lvl="1" marL="864000" indent="-322920">
               <a:lnSpc>
                 <a:spcPct val="100000"/>
               </a:lnSpc>
@@ -8097,7 +8163,7 @@
             </a:endParaRPr>
           </a:p>
           <a:p>
-            <a:pPr lvl="1" marL="864000" indent="-323280">
+            <a:pPr lvl="1" marL="864000" indent="-322920">
               <a:lnSpc>
                 <a:spcPct val="100000"/>
               </a:lnSpc>
@@ -8151,7 +8217,7 @@
             </a:endParaRPr>
           </a:p>
           <a:p>
-            <a:pPr marL="432000" indent="-323280">
+            <a:pPr marL="432000" indent="-322920">
               <a:lnSpc>
                 <a:spcPct val="100000"/>
               </a:lnSpc>
@@ -8190,7 +8256,7 @@
             </a:endParaRPr>
           </a:p>
           <a:p>
-            <a:pPr lvl="1" marL="864000" indent="-323280">
+            <a:pPr lvl="1" marL="864000" indent="-322920">
               <a:lnSpc>
                 <a:spcPct val="100000"/>
               </a:lnSpc>
@@ -8229,7 +8295,7 @@
             </a:endParaRPr>
           </a:p>
           <a:p>
-            <a:pPr marL="432000" indent="-323280">
+            <a:pPr marL="432000" indent="-322920">
               <a:lnSpc>
                 <a:spcPct val="100000"/>
               </a:lnSpc>
@@ -8268,7 +8334,7 @@
             </a:endParaRPr>
           </a:p>
           <a:p>
-            <a:pPr lvl="1" marL="864000" indent="-323280">
+            <a:pPr lvl="1" marL="864000" indent="-322920">
               <a:lnSpc>
                 <a:spcPct val="100000"/>
               </a:lnSpc>
@@ -8307,7 +8373,7 @@
             </a:endParaRPr>
           </a:p>
           <a:p>
-            <a:pPr lvl="1" marL="864000" indent="-323280">
+            <a:pPr lvl="1" marL="864000" indent="-322920">
               <a:lnSpc>
                 <a:spcPct val="100000"/>
               </a:lnSpc>
@@ -8346,7 +8412,7 @@
             </a:endParaRPr>
           </a:p>
           <a:p>
-            <a:pPr marL="432000" indent="-323280">
+            <a:pPr marL="432000" indent="-322920">
               <a:lnSpc>
                 <a:spcPct val="100000"/>
               </a:lnSpc>
@@ -8385,7 +8451,7 @@
             </a:endParaRPr>
           </a:p>
           <a:p>
-            <a:pPr lvl="1" marL="864000" indent="-323280">
+            <a:pPr lvl="1" marL="864000" indent="-322920">
               <a:lnSpc>
                 <a:spcPct val="100000"/>
               </a:lnSpc>
@@ -8424,7 +8490,7 @@
             </a:endParaRPr>
           </a:p>
           <a:p>
-            <a:pPr lvl="1" marL="864000" indent="-323280">
+            <a:pPr lvl="1" marL="864000" indent="-322920">
               <a:lnSpc>
                 <a:spcPct val="100000"/>
               </a:lnSpc>
@@ -8463,7 +8529,7 @@
             </a:endParaRPr>
           </a:p>
           <a:p>
-            <a:pPr marL="432000" indent="-323280">
+            <a:pPr marL="432000" indent="-322920">
               <a:lnSpc>
                 <a:spcPct val="100000"/>
               </a:lnSpc>
@@ -8561,7 +8627,7 @@
         <p:spPr>
           <a:xfrm>
             <a:off x="457200" y="273600"/>
-            <a:ext cx="8228160" cy="1144080"/>
+            <a:ext cx="8227800" cy="1143720"/>
           </a:xfrm>
           <a:prstGeom prst="rect">
             <a:avLst/>
@@ -8623,7 +8689,7 @@
         <p:spPr>
           <a:xfrm>
             <a:off x="457200" y="1604520"/>
-            <a:ext cx="8228160" cy="3976200"/>
+            <a:ext cx="8227800" cy="3975840"/>
           </a:xfrm>
           <a:prstGeom prst="rect">
             <a:avLst/>
@@ -8642,7 +8708,7 @@
         <p:txBody>
           <a:bodyPr lIns="0" rIns="0" tIns="0" bIns="0"/>
           <a:p>
-            <a:pPr marL="432000" indent="-323280">
+            <a:pPr marL="432000" indent="-322920">
               <a:lnSpc>
                 <a:spcPct val="100000"/>
               </a:lnSpc>
@@ -8681,7 +8747,7 @@
             </a:endParaRPr>
           </a:p>
           <a:p>
-            <a:pPr marL="432000" indent="-323280">
+            <a:pPr marL="432000" indent="-322920">
               <a:lnSpc>
                 <a:spcPct val="100000"/>
               </a:lnSpc>
@@ -8720,7 +8786,7 @@
             </a:endParaRPr>
           </a:p>
           <a:p>
-            <a:pPr lvl="1" marL="864000" indent="-323280">
+            <a:pPr lvl="1" marL="864000" indent="-322920">
               <a:lnSpc>
                 <a:spcPct val="100000"/>
               </a:lnSpc>
@@ -8759,7 +8825,7 @@
             </a:endParaRPr>
           </a:p>
           <a:p>
-            <a:pPr lvl="1" marL="864000" indent="-323280">
+            <a:pPr lvl="1" marL="864000" indent="-322920">
               <a:lnSpc>
                 <a:spcPct val="100000"/>
               </a:lnSpc>
@@ -8798,7 +8864,7 @@
             </a:endParaRPr>
           </a:p>
           <a:p>
-            <a:pPr marL="432000" indent="-323280">
+            <a:pPr marL="432000" indent="-322920">
               <a:lnSpc>
                 <a:spcPct val="100000"/>
               </a:lnSpc>
@@ -8837,7 +8903,7 @@
             </a:endParaRPr>
           </a:p>
           <a:p>
-            <a:pPr lvl="1" marL="864000" indent="-323280">
+            <a:pPr lvl="1" marL="864000" indent="-322920">
               <a:lnSpc>
                 <a:spcPct val="100000"/>
               </a:lnSpc>
@@ -8876,7 +8942,7 @@
             </a:endParaRPr>
           </a:p>
           <a:p>
-            <a:pPr marL="432000" indent="-323280">
+            <a:pPr marL="432000" indent="-322920">
               <a:lnSpc>
                 <a:spcPct val="100000"/>
               </a:lnSpc>
@@ -8974,7 +9040,7 @@
         <p:spPr>
           <a:xfrm>
             <a:off x="457200" y="1604520"/>
-            <a:ext cx="8228160" cy="3976200"/>
+            <a:ext cx="8227800" cy="3975840"/>
           </a:xfrm>
           <a:prstGeom prst="rect">
             <a:avLst/>
@@ -8993,7 +9059,7 @@
         <p:txBody>
           <a:bodyPr lIns="0" rIns="0" tIns="0" bIns="0"/>
           <a:p>
-            <a:pPr marL="432000" indent="-323280">
+            <a:pPr marL="432000" indent="-322920">
               <a:lnSpc>
                 <a:spcPct val="100000"/>
               </a:lnSpc>
@@ -9032,7 +9098,7 @@
             </a:endParaRPr>
           </a:p>
           <a:p>
-            <a:pPr lvl="1" marL="864000" indent="-323280">
+            <a:pPr lvl="1" marL="864000" indent="-322920">
               <a:lnSpc>
                 <a:spcPct val="100000"/>
               </a:lnSpc>
@@ -9071,7 +9137,7 @@
             </a:endParaRPr>
           </a:p>
           <a:p>
-            <a:pPr lvl="1" marL="864000" indent="-323280">
+            <a:pPr lvl="1" marL="864000" indent="-322920">
               <a:lnSpc>
                 <a:spcPct val="100000"/>
               </a:lnSpc>
@@ -9110,7 +9176,7 @@
             </a:endParaRPr>
           </a:p>
           <a:p>
-            <a:pPr lvl="1" marL="864000" indent="-323280">
+            <a:pPr lvl="1" marL="864000" indent="-322920">
               <a:lnSpc>
                 <a:spcPct val="100000"/>
               </a:lnSpc>
@@ -9149,7 +9215,7 @@
             </a:endParaRPr>
           </a:p>
           <a:p>
-            <a:pPr marL="432000" indent="-323280">
+            <a:pPr marL="432000" indent="-322920">
               <a:lnSpc>
                 <a:spcPct val="100000"/>
               </a:lnSpc>
@@ -9188,7 +9254,7 @@
             </a:endParaRPr>
           </a:p>
           <a:p>
-            <a:pPr marL="432000" indent="-323280">
+            <a:pPr marL="432000" indent="-322920">
               <a:lnSpc>
                 <a:spcPct val="100000"/>
               </a:lnSpc>
@@ -9227,7 +9293,7 @@
             </a:endParaRPr>
           </a:p>
           <a:p>
-            <a:pPr lvl="1" marL="864000" indent="-323280">
+            <a:pPr lvl="1" marL="864000" indent="-322920">
               <a:lnSpc>
                 <a:spcPct val="100000"/>
               </a:lnSpc>
@@ -9266,7 +9332,7 @@
             </a:endParaRPr>
           </a:p>
           <a:p>
-            <a:pPr lvl="1" marL="864000" indent="-323280">
+            <a:pPr lvl="1" marL="864000" indent="-322920">
               <a:lnSpc>
                 <a:spcPct val="100000"/>
               </a:lnSpc>
@@ -9305,7 +9371,7 @@
             </a:endParaRPr>
           </a:p>
           <a:p>
-            <a:pPr marL="432000" indent="-323280">
+            <a:pPr marL="432000" indent="-322920">
               <a:lnSpc>
                 <a:spcPct val="100000"/>
               </a:lnSpc>
@@ -9344,7 +9410,7 @@
             </a:endParaRPr>
           </a:p>
           <a:p>
-            <a:pPr lvl="1" marL="864000" indent="-323280">
+            <a:pPr lvl="1" marL="864000" indent="-322920">
               <a:lnSpc>
                 <a:spcPct val="100000"/>
               </a:lnSpc>
@@ -9383,7 +9449,7 @@
             </a:endParaRPr>
           </a:p>
           <a:p>
-            <a:pPr lvl="1" marL="864000" indent="-323280">
+            <a:pPr lvl="1" marL="864000" indent="-322920">
               <a:lnSpc>
                 <a:spcPct val="100000"/>
               </a:lnSpc>
@@ -9432,7 +9498,7 @@
         <p:spPr>
           <a:xfrm>
             <a:off x="457200" y="211680"/>
-            <a:ext cx="8228160" cy="1267560"/>
+            <a:ext cx="8227800" cy="1267200"/>
           </a:xfrm>
           <a:prstGeom prst="rect">
             <a:avLst/>
@@ -9543,7 +9609,7 @@
         <p:spPr>
           <a:xfrm>
             <a:off x="457200" y="274680"/>
-            <a:ext cx="8228880" cy="1142280"/>
+            <a:ext cx="8228520" cy="1141920"/>
           </a:xfrm>
           <a:prstGeom prst="rect">
             <a:avLst/>
@@ -9578,6 +9644,7 @@
                   </a:solidFill>
                 </a:uFill>
                 <a:latin typeface="Calibri"/>
+                <a:ea typeface="DejaVu Sans"/>
               </a:rPr>
               <a:t>Organisatoriske konflikter</a:t>
             </a:r>
@@ -9604,7 +9671,7 @@
         <p:spPr>
           <a:xfrm>
             <a:off x="457200" y="1600200"/>
-            <a:ext cx="8228880" cy="4525200"/>
+            <a:ext cx="8228520" cy="4524840"/>
           </a:xfrm>
           <a:prstGeom prst="rect">
             <a:avLst/>
@@ -9623,7 +9690,7 @@
         <p:txBody>
           <a:bodyPr lIns="90000" rIns="90000" tIns="45000" bIns="45000"/>
           <a:p>
-            <a:pPr marL="432000" indent="-323640">
+            <a:pPr marL="432000" indent="-323280">
               <a:lnSpc>
                 <a:spcPct val="100000"/>
               </a:lnSpc>
@@ -9645,6 +9712,7 @@
                   </a:solidFill>
                 </a:uFill>
                 <a:latin typeface="Calibri"/>
+                <a:ea typeface="DejaVu Sans"/>
               </a:rPr>
               <a:t>Programørren i organisationen:</a:t>
             </a:r>
@@ -9661,7 +9729,7 @@
             </a:endParaRPr>
           </a:p>
           <a:p>
-            <a:pPr lvl="1" marL="864000" indent="-323640">
+            <a:pPr lvl="1" marL="864000" indent="-323280">
               <a:lnSpc>
                 <a:spcPct val="100000"/>
               </a:lnSpc>
@@ -9683,6 +9751,7 @@
                   </a:solidFill>
                 </a:uFill>
                 <a:latin typeface="Calibri"/>
+                <a:ea typeface="DejaVu Sans"/>
               </a:rPr>
               <a:t>Øget professionel autoritet. </a:t>
             </a:r>
@@ -9699,7 +9768,7 @@
             </a:endParaRPr>
           </a:p>
           <a:p>
-            <a:pPr lvl="1" marL="864000" indent="-323640">
+            <a:pPr lvl="1" marL="864000" indent="-323280">
               <a:lnSpc>
                 <a:spcPct val="100000"/>
               </a:lnSpc>
@@ -9721,6 +9790,7 @@
                   </a:solidFill>
                 </a:uFill>
                 <a:latin typeface="Calibri"/>
+                <a:ea typeface="DejaVu Sans"/>
               </a:rPr>
               <a:t>Øget uundværlighed giver bedre forhandlingsgrundlag i ansættelse.</a:t>
             </a:r>
@@ -9737,7 +9807,7 @@
             </a:endParaRPr>
           </a:p>
           <a:p>
-            <a:pPr lvl="1" marL="864000" indent="-323640">
+            <a:pPr lvl="1" marL="864000" indent="-323280">
               <a:lnSpc>
                 <a:spcPct val="100000"/>
               </a:lnSpc>
@@ -9759,6 +9829,7 @@
                   </a:solidFill>
                 </a:uFill>
                 <a:latin typeface="Calibri"/>
+                <a:ea typeface="DejaVu Sans"/>
               </a:rPr>
               <a:t>Anledning til spændinger med eksisterende ledelse og medarbejdere fra andre afdelinger.</a:t>
             </a:r>
@@ -9775,7 +9846,7 @@
             </a:endParaRPr>
           </a:p>
           <a:p>
-            <a:pPr lvl="1" marL="864000" indent="-323640">
+            <a:pPr lvl="1" marL="864000" indent="-323280">
               <a:lnSpc>
                 <a:spcPct val="100000"/>
               </a:lnSpc>
@@ -9797,6 +9868,7 @@
                   </a:solidFill>
                 </a:uFill>
                 <a:latin typeface="Calibri"/>
+                <a:ea typeface="DejaVu Sans"/>
               </a:rPr>
               <a:t>Manglende projektstyring- og ledelseskompetencer giver autonomi – mellemledere erstattes af EDP-managers.</a:t>
             </a:r>
@@ -9813,7 +9885,7 @@
             </a:endParaRPr>
           </a:p>
           <a:p>
-            <a:pPr lvl="1" marL="864000" indent="-323640">
+            <a:pPr lvl="1" marL="864000" indent="-323280">
               <a:lnSpc>
                 <a:spcPct val="100000"/>
               </a:lnSpc>
@@ -9835,6 +9907,7 @@
                   </a:solidFill>
                 </a:uFill>
                 <a:latin typeface="Calibri"/>
+                <a:ea typeface="DejaVu Sans"/>
               </a:rPr>
               <a:t>‘</a:t>
             </a:r>
@@ -9849,6 +9922,7 @@
                   </a:solidFill>
                 </a:uFill>
                 <a:latin typeface="Calibri"/>
+                <a:ea typeface="DejaVu Sans"/>
               </a:rPr>
               <a:t>change-agents’ - påvirkede organistationer I stort omfang.</a:t>
             </a:r>
@@ -10027,7 +10101,7 @@
                 </a:uFill>
                 <a:latin typeface="Calibri"/>
               </a:rPr>
-              <a:t>Respons: NATO Konference 1968</a:t>
+              <a:t>Respons</a:t>
             </a:r>
             <a:endParaRPr b="0" lang="en-US" sz="1800" spc="-1" strike="noStrike">
               <a:solidFill>
@@ -10218,6 +10292,82 @@
                 <a:latin typeface="Calibri"/>
               </a:rPr>
               <a:t>Håndtérbare fabrikker med mere traditionel top-down styring.</a:t>
+            </a:r>
+            <a:endParaRPr b="0" lang="en-US" sz="1800" spc="-1" strike="noStrike">
+              <a:solidFill>
+                <a:srgbClr val="000000"/>
+              </a:solidFill>
+              <a:uFill>
+                <a:solidFill>
+                  <a:srgbClr val="ffffff"/>
+                </a:solidFill>
+              </a:uFill>
+              <a:latin typeface="Arial"/>
+            </a:endParaRPr>
+          </a:p>
+          <a:p>
+            <a:pPr lvl="1" marL="864000" indent="-323640">
+              <a:lnSpc>
+                <a:spcPct val="100000"/>
+              </a:lnSpc>
+              <a:buClr>
+                <a:srgbClr val="000000"/>
+              </a:buClr>
+              <a:buSzPct val="75000"/>
+              <a:buFont typeface="Symbol"/>
+              <a:buChar char=""/>
+            </a:pPr>
+            <a:r>
+              <a:rPr b="0" lang="en-US" sz="2000" spc="-1" strike="noStrike">
+                <a:solidFill>
+                  <a:srgbClr val="000000"/>
+                </a:solidFill>
+                <a:uFill>
+                  <a:solidFill>
+                    <a:srgbClr val="ffffff"/>
+                  </a:solidFill>
+                </a:uFill>
+                <a:latin typeface="Calibri"/>
+              </a:rPr>
+              <a:t>Ledelse forsøger at finde fodfæste ifht. håndtering af software-projekter</a:t>
+            </a:r>
+            <a:endParaRPr b="0" lang="en-US" sz="1800" spc="-1" strike="noStrike">
+              <a:solidFill>
+                <a:srgbClr val="000000"/>
+              </a:solidFill>
+              <a:uFill>
+                <a:solidFill>
+                  <a:srgbClr val="ffffff"/>
+                </a:solidFill>
+              </a:uFill>
+              <a:latin typeface="Arial"/>
+            </a:endParaRPr>
+          </a:p>
+          <a:p>
+            <a:pPr lvl="2" marL="1296000" indent="-287640">
+              <a:lnSpc>
+                <a:spcPct val="100000"/>
+              </a:lnSpc>
+              <a:buClr>
+                <a:srgbClr val="000000"/>
+              </a:buClr>
+              <a:buSzPct val="45000"/>
+              <a:buFont typeface="Wingdings" charset="2"/>
+              <a:buChar char=""/>
+            </a:pPr>
+            <a:r>
+              <a:rPr b="0" lang="en-US" sz="2000" spc="-1" strike="noStrike">
+                <a:solidFill>
+                  <a:srgbClr val="000000"/>
+                </a:solidFill>
+                <a:uFill>
+                  <a:solidFill>
+                    <a:srgbClr val="ffffff"/>
+                  </a:solidFill>
+                </a:uFill>
+                <a:latin typeface="Calibri"/>
+              </a:rPr>
+              <a:t> </a:t>
             </a:r>
             <a:endParaRPr b="0" lang="en-US" sz="1800" spc="-1" strike="noStrike">
               <a:solidFill>

--- a/red_oplæg17maj_VtDat2.pptx
+++ b/red_oplæg17maj_VtDat2.pptx
@@ -3013,7 +3013,7 @@
         <p:spPr>
           <a:xfrm>
             <a:off x="457200" y="273600"/>
-            <a:ext cx="8228880" cy="1144440"/>
+            <a:ext cx="8229240" cy="1144800"/>
           </a:xfrm>
           <a:prstGeom prst="rect">
             <a:avLst/>
@@ -3023,6 +3023,20 @@
           <a:bodyPr lIns="0" rIns="0" tIns="0" bIns="0" anchor="ctr"/>
           <a:p>
             <a:pPr algn="ctr"/>
+            <a:r>
+              <a:rPr b="0" lang="en-US" sz="4400" spc="-1" strike="noStrike">
+                <a:solidFill>
+                  <a:srgbClr val="000000"/>
+                </a:solidFill>
+                <a:uFill>
+                  <a:solidFill>
+                    <a:srgbClr val="ffffff"/>
+                  </a:solidFill>
+                </a:uFill>
+                <a:latin typeface="Arial"/>
+              </a:rPr>
+              <a:t>Click to edit the title text format</a:t>
+            </a:r>
             <a:endParaRPr b="0" lang="en-US" sz="4400" spc="-1" strike="noStrike">
               <a:solidFill>
                 <a:srgbClr val="000000"/>
@@ -3050,7 +3064,7 @@
         <p:spPr>
           <a:xfrm>
             <a:off x="457200" y="1604520"/>
-            <a:ext cx="8228880" cy="3976920"/>
+            <a:ext cx="8229240" cy="3977280"/>
           </a:xfrm>
           <a:prstGeom prst="rect">
             <a:avLst/>
@@ -3068,7 +3082,7 @@
               <a:buChar char=""/>
             </a:pPr>
             <a:r>
-              <a:rPr b="0" lang="en-US" sz="1800" spc="-1" strike="noStrike">
+              <a:rPr b="0" lang="en-US" sz="3200" spc="-1" strike="noStrike">
                 <a:solidFill>
                   <a:srgbClr val="000000"/>
                 </a:solidFill>
@@ -3081,7 +3095,7 @@
               </a:rPr>
               <a:t>Click to edit the outline text format</a:t>
             </a:r>
-            <a:endParaRPr b="0" lang="en-US" sz="1800" spc="-1" strike="noStrike">
+            <a:endParaRPr b="0" lang="en-US" sz="3200" spc="-1" strike="noStrike">
               <a:solidFill>
                 <a:srgbClr val="000000"/>
               </a:solidFill>
@@ -3103,7 +3117,7 @@
               <a:buChar char=""/>
             </a:pPr>
             <a:r>
-              <a:rPr b="0" lang="en-US" sz="1800" spc="-1" strike="noStrike">
+              <a:rPr b="0" lang="en-US" sz="2800" spc="-1" strike="noStrike">
                 <a:solidFill>
                   <a:srgbClr val="000000"/>
                 </a:solidFill>
@@ -3116,7 +3130,7 @@
               </a:rPr>
               <a:t>Second Outline Level</a:t>
             </a:r>
-            <a:endParaRPr b="0" lang="en-US" sz="1800" spc="-1" strike="noStrike">
+            <a:endParaRPr b="0" lang="en-US" sz="2800" spc="-1" strike="noStrike">
               <a:solidFill>
                 <a:srgbClr val="000000"/>
               </a:solidFill>
@@ -3138,7 +3152,7 @@
               <a:buChar char=""/>
             </a:pPr>
             <a:r>
-              <a:rPr b="0" lang="en-US" sz="1800" spc="-1" strike="noStrike">
+              <a:rPr b="0" lang="en-US" sz="2400" spc="-1" strike="noStrike">
                 <a:solidFill>
                   <a:srgbClr val="000000"/>
                 </a:solidFill>
@@ -3151,7 +3165,7 @@
               </a:rPr>
               <a:t>Third Outline Level</a:t>
             </a:r>
-            <a:endParaRPr b="0" lang="en-US" sz="1800" spc="-1" strike="noStrike">
+            <a:endParaRPr b="0" lang="en-US" sz="2400" spc="-1" strike="noStrike">
               <a:solidFill>
                 <a:srgbClr val="000000"/>
               </a:solidFill>
@@ -3173,7 +3187,7 @@
               <a:buChar char=""/>
             </a:pPr>
             <a:r>
-              <a:rPr b="0" lang="en-US" sz="1800" spc="-1" strike="noStrike">
+              <a:rPr b="0" lang="en-US" sz="2000" spc="-1" strike="noStrike">
                 <a:solidFill>
                   <a:srgbClr val="000000"/>
                 </a:solidFill>
@@ -3186,7 +3200,7 @@
               </a:rPr>
               <a:t>Fourth Outline Level</a:t>
             </a:r>
-            <a:endParaRPr b="0" lang="en-US" sz="1800" spc="-1" strike="noStrike">
+            <a:endParaRPr b="0" lang="en-US" sz="2000" spc="-1" strike="noStrike">
               <a:solidFill>
                 <a:srgbClr val="000000"/>
               </a:solidFill>
@@ -3208,7 +3222,7 @@
               <a:buChar char=""/>
             </a:pPr>
             <a:r>
-              <a:rPr b="0" lang="en-US" sz="1800" spc="-1" strike="noStrike">
+              <a:rPr b="0" lang="en-US" sz="2000" spc="-1" strike="noStrike">
                 <a:solidFill>
                   <a:srgbClr val="000000"/>
                 </a:solidFill>
@@ -3221,7 +3235,7 @@
               </a:rPr>
               <a:t>Fifth Outline Level</a:t>
             </a:r>
-            <a:endParaRPr b="0" lang="en-US" sz="1800" spc="-1" strike="noStrike">
+            <a:endParaRPr b="0" lang="en-US" sz="2000" spc="-1" strike="noStrike">
               <a:solidFill>
                 <a:srgbClr val="000000"/>
               </a:solidFill>
@@ -3243,7 +3257,7 @@
               <a:buChar char=""/>
             </a:pPr>
             <a:r>
-              <a:rPr b="0" lang="en-US" sz="1800" spc="-1" strike="noStrike">
+              <a:rPr b="0" lang="en-US" sz="2000" spc="-1" strike="noStrike">
                 <a:solidFill>
                   <a:srgbClr val="000000"/>
                 </a:solidFill>
@@ -3256,7 +3270,7 @@
               </a:rPr>
               <a:t>Sixth Outline Level</a:t>
             </a:r>
-            <a:endParaRPr b="0" lang="en-US" sz="1800" spc="-1" strike="noStrike">
+            <a:endParaRPr b="0" lang="en-US" sz="2000" spc="-1" strike="noStrike">
               <a:solidFill>
                 <a:srgbClr val="000000"/>
               </a:solidFill>
@@ -3278,7 +3292,7 @@
               <a:buChar char=""/>
             </a:pPr>
             <a:r>
-              <a:rPr b="0" lang="en-US" sz="1800" spc="-1" strike="noStrike">
+              <a:rPr b="0" lang="en-US" sz="2000" spc="-1" strike="noStrike">
                 <a:solidFill>
                   <a:srgbClr val="000000"/>
                 </a:solidFill>
@@ -3291,7 +3305,7 @@
               </a:rPr>
               <a:t>Seventh Outline Level</a:t>
             </a:r>
-            <a:endParaRPr b="0" lang="en-US" sz="1800" spc="-1" strike="noStrike">
+            <a:endParaRPr b="0" lang="en-US" sz="2000" spc="-1" strike="noStrike">
               <a:solidFill>
                 <a:srgbClr val="000000"/>
               </a:solidFill>
@@ -3714,7 +3728,7 @@
         <p:spPr>
           <a:xfrm>
             <a:off x="685800" y="2130480"/>
-            <a:ext cx="7771320" cy="1468800"/>
+            <a:ext cx="7770960" cy="1468440"/>
           </a:xfrm>
           <a:prstGeom prst="rect">
             <a:avLst/>
@@ -3804,7 +3818,7 @@
         <p:spPr>
           <a:xfrm>
             <a:off x="1050480" y="3886200"/>
-            <a:ext cx="6399720" cy="1751400"/>
+            <a:ext cx="6399360" cy="1751040"/>
           </a:xfrm>
           <a:prstGeom prst="rect">
             <a:avLst/>
@@ -3999,7 +4013,7 @@
         <p:spPr>
           <a:xfrm>
             <a:off x="457200" y="274680"/>
-            <a:ext cx="8228520" cy="1141920"/>
+            <a:ext cx="8228160" cy="1141560"/>
           </a:xfrm>
           <a:prstGeom prst="rect">
             <a:avLst/>
@@ -4061,7 +4075,7 @@
         <p:spPr>
           <a:xfrm>
             <a:off x="457200" y="1600200"/>
-            <a:ext cx="8228520" cy="4524840"/>
+            <a:ext cx="8228160" cy="4524480"/>
           </a:xfrm>
           <a:prstGeom prst="rect">
             <a:avLst/>
@@ -4080,7 +4094,7 @@
         <p:txBody>
           <a:bodyPr lIns="90000" rIns="90000" tIns="45000" bIns="45000"/>
           <a:p>
-            <a:pPr marL="432000" indent="-323280">
+            <a:pPr marL="432000" indent="-322920">
               <a:lnSpc>
                 <a:spcPct val="100000"/>
               </a:lnSpc>
@@ -4119,7 +4133,7 @@
             </a:endParaRPr>
           </a:p>
           <a:p>
-            <a:pPr lvl="1" marL="864000" indent="-323280">
+            <a:pPr lvl="1" marL="864000" indent="-322920">
               <a:lnSpc>
                 <a:spcPct val="100000"/>
               </a:lnSpc>
@@ -4158,7 +4172,7 @@
             </a:endParaRPr>
           </a:p>
           <a:p>
-            <a:pPr lvl="1" marL="864000" indent="-323280">
+            <a:pPr lvl="1" marL="864000" indent="-322920">
               <a:lnSpc>
                 <a:spcPct val="100000"/>
               </a:lnSpc>
@@ -4197,7 +4211,7 @@
             </a:endParaRPr>
           </a:p>
           <a:p>
-            <a:pPr lvl="5" marL="1296000" indent="-215640">
+            <a:pPr lvl="5" marL="1296000" indent="-215280">
               <a:lnSpc>
                 <a:spcPct val="100000"/>
               </a:lnSpc>
@@ -4251,7 +4265,7 @@
             </a:endParaRPr>
           </a:p>
           <a:p>
-            <a:pPr lvl="6" marL="1512000" indent="-215640">
+            <a:pPr lvl="6" marL="1512000" indent="-215280">
               <a:lnSpc>
                 <a:spcPct val="100000"/>
               </a:lnSpc>
@@ -4290,7 +4304,7 @@
             </a:endParaRPr>
           </a:p>
           <a:p>
-            <a:pPr lvl="1" marL="864000" indent="-323280">
+            <a:pPr lvl="1" marL="864000" indent="-322920">
               <a:lnSpc>
                 <a:spcPct val="100000"/>
               </a:lnSpc>
@@ -4329,7 +4343,7 @@
             </a:endParaRPr>
           </a:p>
           <a:p>
-            <a:pPr lvl="1" marL="864000" indent="-323280">
+            <a:pPr lvl="1" marL="864000" indent="-322920">
               <a:lnSpc>
                 <a:spcPct val="100000"/>
               </a:lnSpc>
@@ -4368,7 +4382,7 @@
             </a:endParaRPr>
           </a:p>
           <a:p>
-            <a:pPr lvl="1" marL="864000" indent="-323280">
+            <a:pPr lvl="1" marL="864000" indent="-322920">
               <a:lnSpc>
                 <a:spcPct val="100000"/>
               </a:lnSpc>
@@ -4517,7 +4531,7 @@
         <p:spPr>
           <a:xfrm>
             <a:off x="457200" y="274680"/>
-            <a:ext cx="8228520" cy="1141920"/>
+            <a:ext cx="8228160" cy="1141560"/>
           </a:xfrm>
           <a:prstGeom prst="rect">
             <a:avLst/>
@@ -4579,7 +4593,7 @@
         <p:spPr>
           <a:xfrm>
             <a:off x="457200" y="1600200"/>
-            <a:ext cx="8228520" cy="4524840"/>
+            <a:ext cx="8228160" cy="4524480"/>
           </a:xfrm>
           <a:prstGeom prst="rect">
             <a:avLst/>
@@ -4598,7 +4612,7 @@
         <p:txBody>
           <a:bodyPr lIns="90000" rIns="90000" tIns="45000" bIns="45000"/>
           <a:p>
-            <a:pPr marL="432000" indent="-323280">
+            <a:pPr marL="432000" indent="-322920">
               <a:lnSpc>
                 <a:spcPct val="100000"/>
               </a:lnSpc>
@@ -4637,7 +4651,7 @@
             </a:endParaRPr>
           </a:p>
           <a:p>
-            <a:pPr lvl="1" marL="864000" indent="-323280">
+            <a:pPr lvl="1" marL="864000" indent="-322920">
               <a:lnSpc>
                 <a:spcPct val="100000"/>
               </a:lnSpc>
@@ -4676,7 +4690,7 @@
             </a:endParaRPr>
           </a:p>
           <a:p>
-            <a:pPr marL="432000" indent="-323280">
+            <a:pPr marL="432000" indent="-322920">
               <a:lnSpc>
                 <a:spcPct val="100000"/>
               </a:lnSpc>
@@ -4715,7 +4729,7 @@
             </a:endParaRPr>
           </a:p>
           <a:p>
-            <a:pPr lvl="1" marL="864000" indent="-323280">
+            <a:pPr lvl="1" marL="864000" indent="-322920">
               <a:lnSpc>
                 <a:spcPct val="100000"/>
               </a:lnSpc>
@@ -4754,7 +4768,7 @@
             </a:endParaRPr>
           </a:p>
           <a:p>
-            <a:pPr marL="432000" indent="-323280">
+            <a:pPr marL="432000" indent="-322920">
               <a:lnSpc>
                 <a:spcPct val="100000"/>
               </a:lnSpc>
@@ -4793,7 +4807,7 @@
             </a:endParaRPr>
           </a:p>
           <a:p>
-            <a:pPr lvl="1" marL="864000" indent="-323280">
+            <a:pPr lvl="1" marL="864000" indent="-322920">
               <a:lnSpc>
                 <a:spcPct val="100000"/>
               </a:lnSpc>
@@ -4891,7 +4905,7 @@
         <p:spPr>
           <a:xfrm>
             <a:off x="457200" y="274680"/>
-            <a:ext cx="8228520" cy="1141920"/>
+            <a:ext cx="8228160" cy="1141560"/>
           </a:xfrm>
           <a:prstGeom prst="rect">
             <a:avLst/>
@@ -4953,7 +4967,7 @@
         <p:spPr>
           <a:xfrm>
             <a:off x="457200" y="1600200"/>
-            <a:ext cx="8228520" cy="714600"/>
+            <a:ext cx="8228160" cy="714240"/>
           </a:xfrm>
           <a:prstGeom prst="rect">
             <a:avLst/>
@@ -5033,7 +5047,7 @@
         <p:spPr>
           <a:xfrm>
             <a:off x="792000" y="2315880"/>
-            <a:ext cx="7648920" cy="4478760"/>
+            <a:ext cx="7648560" cy="4478400"/>
           </a:xfrm>
           <a:prstGeom prst="rect">
             <a:avLst/>
@@ -5052,7 +5066,7 @@
         <p:txBody>
           <a:bodyPr lIns="90000" rIns="90000" tIns="45000" bIns="45000"/>
           <a:p>
-            <a:pPr marL="285840" indent="-284760">
+            <a:pPr marL="285840" indent="-284400">
               <a:lnSpc>
                 <a:spcPct val="100000"/>
               </a:lnSpc>
@@ -5090,7 +5104,7 @@
             </a:endParaRPr>
           </a:p>
           <a:p>
-            <a:pPr marL="285840" indent="-284760">
+            <a:pPr marL="285840" indent="-284400">
               <a:lnSpc>
                 <a:spcPct val="100000"/>
               </a:lnSpc>
@@ -5128,7 +5142,7 @@
             </a:endParaRPr>
           </a:p>
           <a:p>
-            <a:pPr marL="285840" indent="-284760">
+            <a:pPr marL="285840" indent="-284400">
               <a:lnSpc>
                 <a:spcPct val="100000"/>
               </a:lnSpc>
@@ -5166,7 +5180,7 @@
             </a:endParaRPr>
           </a:p>
           <a:p>
-            <a:pPr marL="285840" indent="-284760">
+            <a:pPr marL="285840" indent="-284400">
               <a:lnSpc>
                 <a:spcPct val="100000"/>
               </a:lnSpc>
@@ -5204,7 +5218,7 @@
             </a:endParaRPr>
           </a:p>
           <a:p>
-            <a:pPr marL="285840" indent="-284760">
+            <a:pPr marL="285840" indent="-284400">
               <a:lnSpc>
                 <a:spcPct val="100000"/>
               </a:lnSpc>
@@ -5242,7 +5256,7 @@
             </a:endParaRPr>
           </a:p>
           <a:p>
-            <a:pPr marL="285840" indent="-284760">
+            <a:pPr marL="285840" indent="-284400">
               <a:lnSpc>
                 <a:spcPct val="100000"/>
               </a:lnSpc>
@@ -5280,7 +5294,7 @@
             </a:endParaRPr>
           </a:p>
           <a:p>
-            <a:pPr marL="285840" indent="-284760">
+            <a:pPr marL="285840" indent="-284400">
               <a:lnSpc>
                 <a:spcPct val="100000"/>
               </a:lnSpc>
@@ -5318,7 +5332,7 @@
             </a:endParaRPr>
           </a:p>
           <a:p>
-            <a:pPr marL="285840" indent="-284760">
+            <a:pPr marL="285840" indent="-284400">
               <a:lnSpc>
                 <a:spcPct val="100000"/>
               </a:lnSpc>
@@ -5356,7 +5370,7 @@
             </a:endParaRPr>
           </a:p>
           <a:p>
-            <a:pPr marL="285840" indent="-284760">
+            <a:pPr marL="285840" indent="-284400">
               <a:lnSpc>
                 <a:spcPct val="100000"/>
               </a:lnSpc>
@@ -5525,7 +5539,7 @@
         <p:spPr>
           <a:xfrm>
             <a:off x="457200" y="274680"/>
-            <a:ext cx="8228520" cy="1141920"/>
+            <a:ext cx="8228160" cy="1141560"/>
           </a:xfrm>
           <a:prstGeom prst="rect">
             <a:avLst/>
@@ -5587,7 +5601,7 @@
         <p:spPr>
           <a:xfrm>
             <a:off x="457200" y="1600200"/>
-            <a:ext cx="8228520" cy="4524840"/>
+            <a:ext cx="8228160" cy="4524480"/>
           </a:xfrm>
           <a:prstGeom prst="rect">
             <a:avLst/>
@@ -5667,7 +5681,7 @@
         <p:spPr>
           <a:xfrm>
             <a:off x="457200" y="2450520"/>
-            <a:ext cx="8357040" cy="5635440"/>
+            <a:ext cx="8356680" cy="5635080"/>
           </a:xfrm>
           <a:prstGeom prst="rect">
             <a:avLst/>
@@ -5686,7 +5700,7 @@
         <p:txBody>
           <a:bodyPr lIns="90000" rIns="90000" tIns="45000" bIns="45000"/>
           <a:p>
-            <a:pPr marL="457200" indent="-456120">
+            <a:pPr marL="457200" indent="-455760">
               <a:lnSpc>
                 <a:spcPct val="100000"/>
               </a:lnSpc>
@@ -5724,7 +5738,7 @@
             </a:endParaRPr>
           </a:p>
           <a:p>
-            <a:pPr marL="457200" indent="-456120">
+            <a:pPr marL="457200" indent="-455760">
               <a:lnSpc>
                 <a:spcPct val="100000"/>
               </a:lnSpc>
@@ -5762,7 +5776,7 @@
             </a:endParaRPr>
           </a:p>
           <a:p>
-            <a:pPr marL="457200" indent="-456120">
+            <a:pPr marL="457200" indent="-455760">
               <a:lnSpc>
                 <a:spcPct val="100000"/>
               </a:lnSpc>
@@ -6048,7 +6062,7 @@
         <p:spPr>
           <a:xfrm>
             <a:off x="457200" y="274680"/>
-            <a:ext cx="8228520" cy="1141920"/>
+            <a:ext cx="8228160" cy="1141560"/>
           </a:xfrm>
           <a:prstGeom prst="rect">
             <a:avLst/>
@@ -6140,7 +6154,7 @@
         <p:spPr>
           <a:xfrm>
             <a:off x="457200" y="1600200"/>
-            <a:ext cx="8228520" cy="4524840"/>
+            <a:ext cx="8228160" cy="4524480"/>
           </a:xfrm>
           <a:prstGeom prst="rect">
             <a:avLst/>
@@ -6353,7 +6367,7 @@
         <p:spPr>
           <a:xfrm>
             <a:off x="457200" y="274680"/>
-            <a:ext cx="8228520" cy="1141920"/>
+            <a:ext cx="8228160" cy="1141560"/>
           </a:xfrm>
           <a:prstGeom prst="rect">
             <a:avLst/>
@@ -6415,7 +6429,7 @@
         <p:spPr>
           <a:xfrm>
             <a:off x="457200" y="1600200"/>
-            <a:ext cx="8228520" cy="4524840"/>
+            <a:ext cx="8228160" cy="4524480"/>
           </a:xfrm>
           <a:prstGeom prst="rect">
             <a:avLst/>
@@ -6485,7 +6499,7 @@
             </a:endParaRPr>
           </a:p>
           <a:p>
-            <a:pPr marL="343080" indent="-342000">
+            <a:pPr marL="343080" indent="-341640">
               <a:lnSpc>
                 <a:spcPct val="100000"/>
               </a:lnSpc>
@@ -6523,7 +6537,7 @@
             </a:endParaRPr>
           </a:p>
           <a:p>
-            <a:pPr marL="343080" indent="-342000">
+            <a:pPr marL="343080" indent="-341640">
               <a:lnSpc>
                 <a:spcPct val="100000"/>
               </a:lnSpc>
@@ -6576,7 +6590,7 @@
             </a:endParaRPr>
           </a:p>
           <a:p>
-            <a:pPr marL="343080" indent="-342000">
+            <a:pPr marL="343080" indent="-341640">
               <a:lnSpc>
                 <a:spcPct val="100000"/>
               </a:lnSpc>
@@ -6772,7 +6786,7 @@
         <p:spPr>
           <a:xfrm>
             <a:off x="457200" y="274680"/>
-            <a:ext cx="8228520" cy="1141920"/>
+            <a:ext cx="8228160" cy="1141560"/>
           </a:xfrm>
           <a:prstGeom prst="rect">
             <a:avLst/>
@@ -6798,7 +6812,7 @@
         <p:spPr>
           <a:xfrm>
             <a:off x="457200" y="1600200"/>
-            <a:ext cx="8228520" cy="4524840"/>
+            <a:ext cx="8228160" cy="4524480"/>
           </a:xfrm>
           <a:prstGeom prst="rect">
             <a:avLst/>
@@ -6948,7 +6962,7 @@
         <p:spPr>
           <a:xfrm>
             <a:off x="457200" y="893160"/>
-            <a:ext cx="8228520" cy="5231880"/>
+            <a:ext cx="8228160" cy="5231520"/>
           </a:xfrm>
           <a:prstGeom prst="rect">
             <a:avLst/>
@@ -7087,7 +7101,7 @@
             </a:endParaRPr>
           </a:p>
           <a:p>
-            <a:pPr marL="343080" indent="-342000">
+            <a:pPr marL="343080" indent="-341640">
               <a:lnSpc>
                 <a:spcPct val="100000"/>
               </a:lnSpc>
@@ -7140,7 +7154,7 @@
             </a:endParaRPr>
           </a:p>
           <a:p>
-            <a:pPr marL="343080" indent="-342000">
+            <a:pPr marL="343080" indent="-341640">
               <a:lnSpc>
                 <a:spcPct val="100000"/>
               </a:lnSpc>
@@ -7178,7 +7192,7 @@
             </a:endParaRPr>
           </a:p>
           <a:p>
-            <a:pPr marL="343080" indent="-342000">
+            <a:pPr marL="343080" indent="-341640">
               <a:lnSpc>
                 <a:spcPct val="100000"/>
               </a:lnSpc>
@@ -7216,7 +7230,7 @@
             </a:endParaRPr>
           </a:p>
           <a:p>
-            <a:pPr marL="343080" indent="-342000">
+            <a:pPr marL="343080" indent="-341640">
               <a:lnSpc>
                 <a:spcPct val="100000"/>
               </a:lnSpc>
@@ -7364,7 +7378,7 @@
         <p:spPr>
           <a:xfrm>
             <a:off x="457200" y="274680"/>
-            <a:ext cx="8228520" cy="1141920"/>
+            <a:ext cx="8228160" cy="1141560"/>
           </a:xfrm>
           <a:prstGeom prst="rect">
             <a:avLst/>
@@ -7390,7 +7404,7 @@
         <p:spPr>
           <a:xfrm>
             <a:off x="457200" y="1600200"/>
-            <a:ext cx="8228520" cy="4524840"/>
+            <a:ext cx="8228160" cy="4524480"/>
           </a:xfrm>
           <a:prstGeom prst="rect">
             <a:avLst/>
@@ -7648,7 +7662,7 @@
         <p:spPr>
           <a:xfrm>
             <a:off x="457200" y="274680"/>
-            <a:ext cx="8228520" cy="1141920"/>
+            <a:ext cx="8228160" cy="1141560"/>
           </a:xfrm>
           <a:prstGeom prst="rect">
             <a:avLst/>
@@ -7710,7 +7724,7 @@
         <p:spPr>
           <a:xfrm>
             <a:off x="457200" y="1600200"/>
-            <a:ext cx="8228520" cy="4524840"/>
+            <a:ext cx="8228160" cy="4524480"/>
           </a:xfrm>
           <a:prstGeom prst="rect">
             <a:avLst/>
@@ -7747,7 +7761,7 @@
             </a:endParaRPr>
           </a:p>
           <a:p>
-            <a:pPr marL="514440" indent="-513360">
+            <a:pPr marL="514440" indent="-513000">
               <a:lnSpc>
                 <a:spcPct val="100000"/>
               </a:lnSpc>
@@ -7800,7 +7814,7 @@
             </a:endParaRPr>
           </a:p>
           <a:p>
-            <a:pPr marL="514440" indent="-513360">
+            <a:pPr marL="514440" indent="-513000">
               <a:lnSpc>
                 <a:spcPct val="100000"/>
               </a:lnSpc>
@@ -7853,7 +7867,7 @@
             </a:endParaRPr>
           </a:p>
           <a:p>
-            <a:pPr marL="514440" indent="-513360">
+            <a:pPr marL="514440" indent="-513000">
               <a:lnSpc>
                 <a:spcPct val="100000"/>
               </a:lnSpc>
@@ -7965,7 +7979,7 @@
         <p:spPr>
           <a:xfrm>
             <a:off x="457200" y="273600"/>
-            <a:ext cx="8227800" cy="1143720"/>
+            <a:ext cx="8227440" cy="1143360"/>
           </a:xfrm>
           <a:prstGeom prst="rect">
             <a:avLst/>
@@ -8027,7 +8041,7 @@
         <p:spPr>
           <a:xfrm>
             <a:off x="457200" y="1604520"/>
-            <a:ext cx="8227800" cy="3975840"/>
+            <a:ext cx="8227440" cy="3975480"/>
           </a:xfrm>
           <a:prstGeom prst="rect">
             <a:avLst/>
@@ -8046,7 +8060,7 @@
         <p:txBody>
           <a:bodyPr lIns="0" rIns="0" tIns="0" bIns="0"/>
           <a:p>
-            <a:pPr marL="432000" indent="-322920">
+            <a:pPr marL="432000" indent="-322560">
               <a:lnSpc>
                 <a:spcPct val="100000"/>
               </a:lnSpc>
@@ -8085,7 +8099,7 @@
             </a:endParaRPr>
           </a:p>
           <a:p>
-            <a:pPr lvl="1" marL="864000" indent="-322920">
+            <a:pPr lvl="1" marL="864000" indent="-322560">
               <a:lnSpc>
                 <a:spcPct val="100000"/>
               </a:lnSpc>
@@ -8124,7 +8138,7 @@
             </a:endParaRPr>
           </a:p>
           <a:p>
-            <a:pPr lvl="1" marL="864000" indent="-322920">
+            <a:pPr lvl="1" marL="864000" indent="-322560">
               <a:lnSpc>
                 <a:spcPct val="100000"/>
               </a:lnSpc>
@@ -8163,7 +8177,7 @@
             </a:endParaRPr>
           </a:p>
           <a:p>
-            <a:pPr lvl="1" marL="864000" indent="-322920">
+            <a:pPr lvl="1" marL="864000" indent="-322560">
               <a:lnSpc>
                 <a:spcPct val="100000"/>
               </a:lnSpc>
@@ -8217,7 +8231,7 @@
             </a:endParaRPr>
           </a:p>
           <a:p>
-            <a:pPr marL="432000" indent="-322920">
+            <a:pPr marL="432000" indent="-322560">
               <a:lnSpc>
                 <a:spcPct val="100000"/>
               </a:lnSpc>
@@ -8256,7 +8270,7 @@
             </a:endParaRPr>
           </a:p>
           <a:p>
-            <a:pPr lvl="1" marL="864000" indent="-322920">
+            <a:pPr lvl="1" marL="864000" indent="-322560">
               <a:lnSpc>
                 <a:spcPct val="100000"/>
               </a:lnSpc>
@@ -8295,7 +8309,7 @@
             </a:endParaRPr>
           </a:p>
           <a:p>
-            <a:pPr marL="432000" indent="-322920">
+            <a:pPr marL="432000" indent="-322560">
               <a:lnSpc>
                 <a:spcPct val="100000"/>
               </a:lnSpc>
@@ -8334,7 +8348,7 @@
             </a:endParaRPr>
           </a:p>
           <a:p>
-            <a:pPr lvl="1" marL="864000" indent="-322920">
+            <a:pPr lvl="1" marL="864000" indent="-322560">
               <a:lnSpc>
                 <a:spcPct val="100000"/>
               </a:lnSpc>
@@ -8373,7 +8387,7 @@
             </a:endParaRPr>
           </a:p>
           <a:p>
-            <a:pPr lvl="1" marL="864000" indent="-322920">
+            <a:pPr lvl="1" marL="864000" indent="-322560">
               <a:lnSpc>
                 <a:spcPct val="100000"/>
               </a:lnSpc>
@@ -8412,7 +8426,7 @@
             </a:endParaRPr>
           </a:p>
           <a:p>
-            <a:pPr marL="432000" indent="-322920">
+            <a:pPr marL="432000" indent="-322560">
               <a:lnSpc>
                 <a:spcPct val="100000"/>
               </a:lnSpc>
@@ -8451,7 +8465,7 @@
             </a:endParaRPr>
           </a:p>
           <a:p>
-            <a:pPr lvl="1" marL="864000" indent="-322920">
+            <a:pPr lvl="1" marL="864000" indent="-322560">
               <a:lnSpc>
                 <a:spcPct val="100000"/>
               </a:lnSpc>
@@ -8490,7 +8504,7 @@
             </a:endParaRPr>
           </a:p>
           <a:p>
-            <a:pPr lvl="1" marL="864000" indent="-322920">
+            <a:pPr lvl="1" marL="864000" indent="-322560">
               <a:lnSpc>
                 <a:spcPct val="100000"/>
               </a:lnSpc>
@@ -8529,7 +8543,7 @@
             </a:endParaRPr>
           </a:p>
           <a:p>
-            <a:pPr marL="432000" indent="-322920">
+            <a:pPr marL="432000" indent="-322560">
               <a:lnSpc>
                 <a:spcPct val="100000"/>
               </a:lnSpc>
@@ -8627,7 +8641,7 @@
         <p:spPr>
           <a:xfrm>
             <a:off x="457200" y="273600"/>
-            <a:ext cx="8227800" cy="1143720"/>
+            <a:ext cx="8227440" cy="1143360"/>
           </a:xfrm>
           <a:prstGeom prst="rect">
             <a:avLst/>
@@ -8689,7 +8703,7 @@
         <p:spPr>
           <a:xfrm>
             <a:off x="457200" y="1604520"/>
-            <a:ext cx="8227800" cy="3975840"/>
+            <a:ext cx="8227440" cy="3975480"/>
           </a:xfrm>
           <a:prstGeom prst="rect">
             <a:avLst/>
@@ -8708,7 +8722,7 @@
         <p:txBody>
           <a:bodyPr lIns="0" rIns="0" tIns="0" bIns="0"/>
           <a:p>
-            <a:pPr marL="432000" indent="-322920">
+            <a:pPr marL="432000" indent="-322560">
               <a:lnSpc>
                 <a:spcPct val="100000"/>
               </a:lnSpc>
@@ -8747,7 +8761,7 @@
             </a:endParaRPr>
           </a:p>
           <a:p>
-            <a:pPr marL="432000" indent="-322920">
+            <a:pPr marL="432000" indent="-322560">
               <a:lnSpc>
                 <a:spcPct val="100000"/>
               </a:lnSpc>
@@ -8786,7 +8800,7 @@
             </a:endParaRPr>
           </a:p>
           <a:p>
-            <a:pPr lvl="1" marL="864000" indent="-322920">
+            <a:pPr lvl="1" marL="864000" indent="-322560">
               <a:lnSpc>
                 <a:spcPct val="100000"/>
               </a:lnSpc>
@@ -8825,7 +8839,7 @@
             </a:endParaRPr>
           </a:p>
           <a:p>
-            <a:pPr lvl="1" marL="864000" indent="-322920">
+            <a:pPr lvl="1" marL="864000" indent="-322560">
               <a:lnSpc>
                 <a:spcPct val="100000"/>
               </a:lnSpc>
@@ -8864,7 +8878,7 @@
             </a:endParaRPr>
           </a:p>
           <a:p>
-            <a:pPr marL="432000" indent="-322920">
+            <a:pPr marL="432000" indent="-322560">
               <a:lnSpc>
                 <a:spcPct val="100000"/>
               </a:lnSpc>
@@ -8903,7 +8917,7 @@
             </a:endParaRPr>
           </a:p>
           <a:p>
-            <a:pPr lvl="1" marL="864000" indent="-322920">
+            <a:pPr lvl="1" marL="864000" indent="-322560">
               <a:lnSpc>
                 <a:spcPct val="100000"/>
               </a:lnSpc>
@@ -8942,7 +8956,7 @@
             </a:endParaRPr>
           </a:p>
           <a:p>
-            <a:pPr marL="432000" indent="-322920">
+            <a:pPr marL="432000" indent="-322560">
               <a:lnSpc>
                 <a:spcPct val="100000"/>
               </a:lnSpc>
@@ -9040,7 +9054,7 @@
         <p:spPr>
           <a:xfrm>
             <a:off x="457200" y="1604520"/>
-            <a:ext cx="8227800" cy="3975840"/>
+            <a:ext cx="8227440" cy="3975480"/>
           </a:xfrm>
           <a:prstGeom prst="rect">
             <a:avLst/>
@@ -9059,7 +9073,7 @@
         <p:txBody>
           <a:bodyPr lIns="0" rIns="0" tIns="0" bIns="0"/>
           <a:p>
-            <a:pPr marL="432000" indent="-322920">
+            <a:pPr marL="432000" indent="-322560">
               <a:lnSpc>
                 <a:spcPct val="100000"/>
               </a:lnSpc>
@@ -9098,7 +9112,7 @@
             </a:endParaRPr>
           </a:p>
           <a:p>
-            <a:pPr lvl="1" marL="864000" indent="-322920">
+            <a:pPr lvl="1" marL="864000" indent="-322560">
               <a:lnSpc>
                 <a:spcPct val="100000"/>
               </a:lnSpc>
@@ -9137,7 +9151,7 @@
             </a:endParaRPr>
           </a:p>
           <a:p>
-            <a:pPr lvl="1" marL="864000" indent="-322920">
+            <a:pPr lvl="1" marL="864000" indent="-322560">
               <a:lnSpc>
                 <a:spcPct val="100000"/>
               </a:lnSpc>
@@ -9176,7 +9190,7 @@
             </a:endParaRPr>
           </a:p>
           <a:p>
-            <a:pPr lvl="1" marL="864000" indent="-322920">
+            <a:pPr lvl="1" marL="864000" indent="-322560">
               <a:lnSpc>
                 <a:spcPct val="100000"/>
               </a:lnSpc>
@@ -9215,7 +9229,7 @@
             </a:endParaRPr>
           </a:p>
           <a:p>
-            <a:pPr marL="432000" indent="-322920">
+            <a:pPr marL="432000" indent="-322560">
               <a:lnSpc>
                 <a:spcPct val="100000"/>
               </a:lnSpc>
@@ -9254,7 +9268,7 @@
             </a:endParaRPr>
           </a:p>
           <a:p>
-            <a:pPr marL="432000" indent="-322920">
+            <a:pPr marL="432000" indent="-322560">
               <a:lnSpc>
                 <a:spcPct val="100000"/>
               </a:lnSpc>
@@ -9293,7 +9307,7 @@
             </a:endParaRPr>
           </a:p>
           <a:p>
-            <a:pPr lvl="1" marL="864000" indent="-322920">
+            <a:pPr lvl="1" marL="864000" indent="-322560">
               <a:lnSpc>
                 <a:spcPct val="100000"/>
               </a:lnSpc>
@@ -9332,7 +9346,7 @@
             </a:endParaRPr>
           </a:p>
           <a:p>
-            <a:pPr lvl="1" marL="864000" indent="-322920">
+            <a:pPr lvl="1" marL="864000" indent="-322560">
               <a:lnSpc>
                 <a:spcPct val="100000"/>
               </a:lnSpc>
@@ -9371,7 +9385,7 @@
             </a:endParaRPr>
           </a:p>
           <a:p>
-            <a:pPr marL="432000" indent="-322920">
+            <a:pPr marL="432000" indent="-322560">
               <a:lnSpc>
                 <a:spcPct val="100000"/>
               </a:lnSpc>
@@ -9410,7 +9424,7 @@
             </a:endParaRPr>
           </a:p>
           <a:p>
-            <a:pPr lvl="1" marL="864000" indent="-322920">
+            <a:pPr lvl="1" marL="864000" indent="-322560">
               <a:lnSpc>
                 <a:spcPct val="100000"/>
               </a:lnSpc>
@@ -9449,7 +9463,7 @@
             </a:endParaRPr>
           </a:p>
           <a:p>
-            <a:pPr lvl="1" marL="864000" indent="-322920">
+            <a:pPr lvl="1" marL="864000" indent="-322560">
               <a:lnSpc>
                 <a:spcPct val="100000"/>
               </a:lnSpc>
@@ -9498,7 +9512,7 @@
         <p:spPr>
           <a:xfrm>
             <a:off x="457200" y="211680"/>
-            <a:ext cx="8227800" cy="1267200"/>
+            <a:ext cx="8227440" cy="1266840"/>
           </a:xfrm>
           <a:prstGeom prst="rect">
             <a:avLst/>
@@ -9609,7 +9623,7 @@
         <p:spPr>
           <a:xfrm>
             <a:off x="457200" y="274680"/>
-            <a:ext cx="8228520" cy="1141920"/>
+            <a:ext cx="8228160" cy="1141560"/>
           </a:xfrm>
           <a:prstGeom prst="rect">
             <a:avLst/>
@@ -9671,7 +9685,7 @@
         <p:spPr>
           <a:xfrm>
             <a:off x="457200" y="1600200"/>
-            <a:ext cx="8228520" cy="4524840"/>
+            <a:ext cx="8228160" cy="4524480"/>
           </a:xfrm>
           <a:prstGeom prst="rect">
             <a:avLst/>
@@ -9690,7 +9704,7 @@
         <p:txBody>
           <a:bodyPr lIns="90000" rIns="90000" tIns="45000" bIns="45000"/>
           <a:p>
-            <a:pPr marL="432000" indent="-323280">
+            <a:pPr marL="432000" indent="-322920">
               <a:lnSpc>
                 <a:spcPct val="100000"/>
               </a:lnSpc>
@@ -9729,7 +9743,7 @@
             </a:endParaRPr>
           </a:p>
           <a:p>
-            <a:pPr lvl="1" marL="864000" indent="-323280">
+            <a:pPr lvl="1" marL="864000" indent="-322920">
               <a:lnSpc>
                 <a:spcPct val="100000"/>
               </a:lnSpc>
@@ -9768,7 +9782,7 @@
             </a:endParaRPr>
           </a:p>
           <a:p>
-            <a:pPr lvl="1" marL="864000" indent="-323280">
+            <a:pPr lvl="1" marL="864000" indent="-322920">
               <a:lnSpc>
                 <a:spcPct val="100000"/>
               </a:lnSpc>
@@ -9807,7 +9821,7 @@
             </a:endParaRPr>
           </a:p>
           <a:p>
-            <a:pPr lvl="1" marL="864000" indent="-323280">
+            <a:pPr lvl="1" marL="864000" indent="-322920">
               <a:lnSpc>
                 <a:spcPct val="100000"/>
               </a:lnSpc>
@@ -9846,7 +9860,7 @@
             </a:endParaRPr>
           </a:p>
           <a:p>
-            <a:pPr lvl="1" marL="864000" indent="-323280">
+            <a:pPr lvl="1" marL="864000" indent="-322920">
               <a:lnSpc>
                 <a:spcPct val="100000"/>
               </a:lnSpc>
@@ -9885,7 +9899,7 @@
             </a:endParaRPr>
           </a:p>
           <a:p>
-            <a:pPr lvl="1" marL="864000" indent="-323280">
+            <a:pPr lvl="1" marL="864000" indent="-322920">
               <a:lnSpc>
                 <a:spcPct val="100000"/>
               </a:lnSpc>
@@ -9998,7 +10012,7 @@
         <p:spPr>
           <a:xfrm>
             <a:off x="457200" y="274680"/>
-            <a:ext cx="8228880" cy="1142280"/>
+            <a:ext cx="8228520" cy="1141920"/>
           </a:xfrm>
           <a:prstGeom prst="rect">
             <a:avLst/>
@@ -10033,6 +10047,7 @@
                   </a:solidFill>
                 </a:uFill>
                 <a:latin typeface="Calibri"/>
+                <a:ea typeface="DejaVu Sans"/>
               </a:rPr>
               <a:t>Organisatoriske konflikter</a:t>
             </a:r>
@@ -10059,7 +10074,7 @@
         <p:spPr>
           <a:xfrm>
             <a:off x="457200" y="1600200"/>
-            <a:ext cx="8228880" cy="4525200"/>
+            <a:ext cx="8228520" cy="4524840"/>
           </a:xfrm>
           <a:prstGeom prst="rect">
             <a:avLst/>
@@ -10078,7 +10093,7 @@
         <p:txBody>
           <a:bodyPr lIns="90000" rIns="90000" tIns="45000" bIns="45000"/>
           <a:p>
-            <a:pPr marL="432000" indent="-323640">
+            <a:pPr marL="432000" indent="-323280">
               <a:lnSpc>
                 <a:spcPct val="100000"/>
               </a:lnSpc>
@@ -10100,6 +10115,7 @@
                   </a:solidFill>
                 </a:uFill>
                 <a:latin typeface="Calibri"/>
+                <a:ea typeface="DejaVu Sans"/>
               </a:rPr>
               <a:t>Respons</a:t>
             </a:r>
@@ -10116,7 +10132,7 @@
             </a:endParaRPr>
           </a:p>
           <a:p>
-            <a:pPr lvl="1" marL="864000" indent="-323640">
+            <a:pPr lvl="1" marL="864000" indent="-323280">
               <a:lnSpc>
                 <a:spcPct val="100000"/>
               </a:lnSpc>
@@ -10138,6 +10154,7 @@
                   </a:solidFill>
                 </a:uFill>
                 <a:latin typeface="Calibri"/>
+                <a:ea typeface="DejaVu Sans"/>
               </a:rPr>
               <a:t>Software-krise defineres.</a:t>
             </a:r>
@@ -10154,7 +10171,7 @@
             </a:endParaRPr>
           </a:p>
           <a:p>
-            <a:pPr lvl="1" marL="864000" indent="-323640">
+            <a:pPr lvl="1" marL="864000" indent="-323280">
               <a:lnSpc>
                 <a:spcPct val="100000"/>
               </a:lnSpc>
@@ -10176,6 +10193,7 @@
                   </a:solidFill>
                 </a:uFill>
                 <a:latin typeface="Calibri"/>
+                <a:ea typeface="DejaVu Sans"/>
               </a:rPr>
               <a:t>Douglas McIlroy foreslår industrialisering af software-produktion.</a:t>
             </a:r>
@@ -10192,7 +10210,7 @@
             </a:endParaRPr>
           </a:p>
           <a:p>
-            <a:pPr lvl="2" marL="1296000" indent="-287640">
+            <a:pPr lvl="2" marL="1296000" indent="-287280">
               <a:lnSpc>
                 <a:spcPct val="100000"/>
               </a:lnSpc>
@@ -10214,6 +10232,7 @@
                   </a:solidFill>
                 </a:uFill>
                 <a:latin typeface="Calibri"/>
+                <a:ea typeface="DejaVu Sans"/>
               </a:rPr>
               <a:t>Softwareudviklere som ’almindelige ansatte’.</a:t>
             </a:r>
@@ -10230,7 +10249,7 @@
             </a:endParaRPr>
           </a:p>
           <a:p>
-            <a:pPr lvl="2" marL="1296000" indent="-287640">
+            <a:pPr lvl="2" marL="1296000" indent="-287280">
               <a:lnSpc>
                 <a:spcPct val="100000"/>
               </a:lnSpc>
@@ -10252,6 +10271,7 @@
                   </a:solidFill>
                 </a:uFill>
                 <a:latin typeface="Calibri"/>
+                <a:ea typeface="DejaVu Sans"/>
               </a:rPr>
               <a:t>Softwareudvikling mindre afhængig af den enkelte.</a:t>
             </a:r>
@@ -10268,7 +10288,7 @@
             </a:endParaRPr>
           </a:p>
           <a:p>
-            <a:pPr lvl="2" marL="1296000" indent="-287640">
+            <a:pPr lvl="2" marL="1296000" indent="-287280">
               <a:lnSpc>
                 <a:spcPct val="100000"/>
               </a:lnSpc>
@@ -10290,6 +10310,7 @@
                   </a:solidFill>
                 </a:uFill>
                 <a:latin typeface="Calibri"/>
+                <a:ea typeface="DejaVu Sans"/>
               </a:rPr>
               <a:t>Håndtérbare fabrikker med mere traditionel top-down styring.</a:t>
             </a:r>
@@ -10306,7 +10327,7 @@
             </a:endParaRPr>
           </a:p>
           <a:p>
-            <a:pPr lvl="1" marL="864000" indent="-323640">
+            <a:pPr lvl="1" marL="864000" indent="-323280">
               <a:lnSpc>
                 <a:spcPct val="100000"/>
               </a:lnSpc>
@@ -10328,6 +10349,7 @@
                   </a:solidFill>
                 </a:uFill>
                 <a:latin typeface="Calibri"/>
+                <a:ea typeface="DejaVu Sans"/>
               </a:rPr>
               <a:t>Ledelse forsøger at finde fodfæste ifht. håndtering af software-projekter</a:t>
             </a:r>
@@ -10344,7 +10366,7 @@
             </a:endParaRPr>
           </a:p>
           <a:p>
-            <a:pPr lvl="2" marL="1296000" indent="-287640">
+            <a:pPr lvl="2" marL="1296000" indent="-287280">
               <a:lnSpc>
                 <a:spcPct val="100000"/>
               </a:lnSpc>
@@ -10366,6 +10388,7 @@
                   </a:solidFill>
                 </a:uFill>
                 <a:latin typeface="Calibri"/>
+                <a:ea typeface="DejaVu Sans"/>
               </a:rPr>
               <a:t> </a:t>
             </a:r>
@@ -10382,7 +10405,7 @@
             </a:endParaRPr>
           </a:p>
           <a:p>
-            <a:pPr marL="432000" indent="-323640">
+            <a:pPr marL="432000" indent="-323280">
               <a:lnSpc>
                 <a:spcPct val="100000"/>
               </a:lnSpc>
@@ -10404,6 +10427,7 @@
                   </a:solidFill>
                 </a:uFill>
                 <a:latin typeface="Calibri"/>
+                <a:ea typeface="DejaVu Sans"/>
               </a:rPr>
               <a:t> </a:t>
             </a:r>
